--- a/study/Java_cross/Day_005 ~/JCP0716/workplace/teamProject/2021.08.30/가계부 프로그램 발표자료.pptx
+++ b/study/Java_cross/Day_005 ~/JCP0716/workplace/teamProject/2021.08.30/가계부 프로그램 발표자료.pptx
@@ -13,7 +13,9 @@
     <p:sldId id="263" r:id="rId7"/>
     <p:sldId id="264" r:id="rId8"/>
     <p:sldId id="265" r:id="rId9"/>
-    <p:sldId id="260" r:id="rId10"/>
+    <p:sldId id="269" r:id="rId10"/>
+    <p:sldId id="271" r:id="rId11"/>
+    <p:sldId id="260" r:id="rId12"/>
   </p:sldIdLst>
   <p:sldSz cx="12192000" cy="6858000"/>
   <p:notesSz cx="6858000" cy="9144000"/>
@@ -137,7 +139,7 @@
           <p:cNvPr id="2" name="제목 1">
             <a:extLst>
               <a:ext uri="{FF2B5EF4-FFF2-40B4-BE49-F238E27FC236}">
-                <a16:creationId xmlns="" xmlns:a16="http://schemas.microsoft.com/office/drawing/2014/main" id="{40F23097-FD8D-4EE2-939C-2AAEB1AE8F79}"/>
+                <a16:creationId xmlns:a16="http://schemas.microsoft.com/office/drawing/2014/main" xmlns="" id="{40F23097-FD8D-4EE2-939C-2AAEB1AE8F79}"/>
               </a:ext>
             </a:extLst>
           </p:cNvPr>
@@ -174,7 +176,7 @@
           <p:cNvPr id="3" name="부제목 2">
             <a:extLst>
               <a:ext uri="{FF2B5EF4-FFF2-40B4-BE49-F238E27FC236}">
-                <a16:creationId xmlns="" xmlns:a16="http://schemas.microsoft.com/office/drawing/2014/main" id="{848CDA03-7B60-4B8B-B69D-2D888029FF38}"/>
+                <a16:creationId xmlns:a16="http://schemas.microsoft.com/office/drawing/2014/main" xmlns="" id="{848CDA03-7B60-4B8B-B69D-2D888029FF38}"/>
               </a:ext>
             </a:extLst>
           </p:cNvPr>
@@ -244,7 +246,7 @@
           <p:cNvPr id="4" name="날짜 개체 틀 3">
             <a:extLst>
               <a:ext uri="{FF2B5EF4-FFF2-40B4-BE49-F238E27FC236}">
-                <a16:creationId xmlns="" xmlns:a16="http://schemas.microsoft.com/office/drawing/2014/main" id="{75D301AE-9C75-4E50-9BBA-29E92353263B}"/>
+                <a16:creationId xmlns:a16="http://schemas.microsoft.com/office/drawing/2014/main" xmlns="" id="{75D301AE-9C75-4E50-9BBA-29E92353263B}"/>
               </a:ext>
             </a:extLst>
           </p:cNvPr>
@@ -262,7 +264,7 @@
           <a:p>
             <a:fld id="{A7842A97-13E0-43F1-9800-D018C79BD59F}" type="datetimeFigureOut">
               <a:rPr lang="ko-KR" altLang="en-US" smtClean="0"/>
-              <a:t>2021-08-30</a:t>
+              <a:t>2021-08-31</a:t>
             </a:fld>
             <a:endParaRPr lang="ko-KR" altLang="en-US"/>
           </a:p>
@@ -273,7 +275,7 @@
           <p:cNvPr id="5" name="바닥글 개체 틀 4">
             <a:extLst>
               <a:ext uri="{FF2B5EF4-FFF2-40B4-BE49-F238E27FC236}">
-                <a16:creationId xmlns="" xmlns:a16="http://schemas.microsoft.com/office/drawing/2014/main" id="{006FFE0B-317E-4385-9236-3ABBE5D4CD6C}"/>
+                <a16:creationId xmlns:a16="http://schemas.microsoft.com/office/drawing/2014/main" xmlns="" id="{006FFE0B-317E-4385-9236-3ABBE5D4CD6C}"/>
               </a:ext>
             </a:extLst>
           </p:cNvPr>
@@ -298,7 +300,7 @@
           <p:cNvPr id="6" name="슬라이드 번호 개체 틀 5">
             <a:extLst>
               <a:ext uri="{FF2B5EF4-FFF2-40B4-BE49-F238E27FC236}">
-                <a16:creationId xmlns="" xmlns:a16="http://schemas.microsoft.com/office/drawing/2014/main" id="{F86B9632-9C82-4FAA-9474-6756D22B05F8}"/>
+                <a16:creationId xmlns:a16="http://schemas.microsoft.com/office/drawing/2014/main" xmlns="" id="{F86B9632-9C82-4FAA-9474-6756D22B05F8}"/>
               </a:ext>
             </a:extLst>
           </p:cNvPr>
@@ -357,7 +359,7 @@
           <p:cNvPr id="2" name="제목 1">
             <a:extLst>
               <a:ext uri="{FF2B5EF4-FFF2-40B4-BE49-F238E27FC236}">
-                <a16:creationId xmlns="" xmlns:a16="http://schemas.microsoft.com/office/drawing/2014/main" id="{A6B97A58-C756-43B9-89CA-76DDC0FF1ABA}"/>
+                <a16:creationId xmlns:a16="http://schemas.microsoft.com/office/drawing/2014/main" xmlns="" id="{A6B97A58-C756-43B9-89CA-76DDC0FF1ABA}"/>
               </a:ext>
             </a:extLst>
           </p:cNvPr>
@@ -385,7 +387,7 @@
           <p:cNvPr id="3" name="세로 텍스트 개체 틀 2">
             <a:extLst>
               <a:ext uri="{FF2B5EF4-FFF2-40B4-BE49-F238E27FC236}">
-                <a16:creationId xmlns="" xmlns:a16="http://schemas.microsoft.com/office/drawing/2014/main" id="{42261C87-D91B-410A-91F4-CEF9ED58F512}"/>
+                <a16:creationId xmlns:a16="http://schemas.microsoft.com/office/drawing/2014/main" xmlns="" id="{42261C87-D91B-410A-91F4-CEF9ED58F512}"/>
               </a:ext>
             </a:extLst>
           </p:cNvPr>
@@ -442,7 +444,7 @@
           <p:cNvPr id="4" name="날짜 개체 틀 3">
             <a:extLst>
               <a:ext uri="{FF2B5EF4-FFF2-40B4-BE49-F238E27FC236}">
-                <a16:creationId xmlns="" xmlns:a16="http://schemas.microsoft.com/office/drawing/2014/main" id="{ADF45256-7C61-4C51-BD19-64B3AD9E4E6F}"/>
+                <a16:creationId xmlns:a16="http://schemas.microsoft.com/office/drawing/2014/main" xmlns="" id="{ADF45256-7C61-4C51-BD19-64B3AD9E4E6F}"/>
               </a:ext>
             </a:extLst>
           </p:cNvPr>
@@ -460,7 +462,7 @@
           <a:p>
             <a:fld id="{A7842A97-13E0-43F1-9800-D018C79BD59F}" type="datetimeFigureOut">
               <a:rPr lang="ko-KR" altLang="en-US" smtClean="0"/>
-              <a:t>2021-08-30</a:t>
+              <a:t>2021-08-31</a:t>
             </a:fld>
             <a:endParaRPr lang="ko-KR" altLang="en-US"/>
           </a:p>
@@ -471,7 +473,7 @@
           <p:cNvPr id="5" name="바닥글 개체 틀 4">
             <a:extLst>
               <a:ext uri="{FF2B5EF4-FFF2-40B4-BE49-F238E27FC236}">
-                <a16:creationId xmlns="" xmlns:a16="http://schemas.microsoft.com/office/drawing/2014/main" id="{E2B3D133-F57C-4593-8607-FE0D9E3B5D90}"/>
+                <a16:creationId xmlns:a16="http://schemas.microsoft.com/office/drawing/2014/main" xmlns="" id="{E2B3D133-F57C-4593-8607-FE0D9E3B5D90}"/>
               </a:ext>
             </a:extLst>
           </p:cNvPr>
@@ -496,7 +498,7 @@
           <p:cNvPr id="6" name="슬라이드 번호 개체 틀 5">
             <a:extLst>
               <a:ext uri="{FF2B5EF4-FFF2-40B4-BE49-F238E27FC236}">
-                <a16:creationId xmlns="" xmlns:a16="http://schemas.microsoft.com/office/drawing/2014/main" id="{89343ADE-761C-4983-B6FA-E0DCB964E105}"/>
+                <a16:creationId xmlns:a16="http://schemas.microsoft.com/office/drawing/2014/main" xmlns="" id="{89343ADE-761C-4983-B6FA-E0DCB964E105}"/>
               </a:ext>
             </a:extLst>
           </p:cNvPr>
@@ -555,7 +557,7 @@
           <p:cNvPr id="2" name="세로 제목 1">
             <a:extLst>
               <a:ext uri="{FF2B5EF4-FFF2-40B4-BE49-F238E27FC236}">
-                <a16:creationId xmlns="" xmlns:a16="http://schemas.microsoft.com/office/drawing/2014/main" id="{B47968FA-E1FA-4E6B-901B-356F2CDD74F4}"/>
+                <a16:creationId xmlns:a16="http://schemas.microsoft.com/office/drawing/2014/main" xmlns="" id="{B47968FA-E1FA-4E6B-901B-356F2CDD74F4}"/>
               </a:ext>
             </a:extLst>
           </p:cNvPr>
@@ -588,7 +590,7 @@
           <p:cNvPr id="3" name="세로 텍스트 개체 틀 2">
             <a:extLst>
               <a:ext uri="{FF2B5EF4-FFF2-40B4-BE49-F238E27FC236}">
-                <a16:creationId xmlns="" xmlns:a16="http://schemas.microsoft.com/office/drawing/2014/main" id="{AD56E92B-4670-409C-8CAD-550330930E2D}"/>
+                <a16:creationId xmlns:a16="http://schemas.microsoft.com/office/drawing/2014/main" xmlns="" id="{AD56E92B-4670-409C-8CAD-550330930E2D}"/>
               </a:ext>
             </a:extLst>
           </p:cNvPr>
@@ -650,7 +652,7 @@
           <p:cNvPr id="4" name="날짜 개체 틀 3">
             <a:extLst>
               <a:ext uri="{FF2B5EF4-FFF2-40B4-BE49-F238E27FC236}">
-                <a16:creationId xmlns="" xmlns:a16="http://schemas.microsoft.com/office/drawing/2014/main" id="{3DA16C3D-51AD-4989-9B13-9757F1916D3A}"/>
+                <a16:creationId xmlns:a16="http://schemas.microsoft.com/office/drawing/2014/main" xmlns="" id="{3DA16C3D-51AD-4989-9B13-9757F1916D3A}"/>
               </a:ext>
             </a:extLst>
           </p:cNvPr>
@@ -668,7 +670,7 @@
           <a:p>
             <a:fld id="{A7842A97-13E0-43F1-9800-D018C79BD59F}" type="datetimeFigureOut">
               <a:rPr lang="ko-KR" altLang="en-US" smtClean="0"/>
-              <a:t>2021-08-30</a:t>
+              <a:t>2021-08-31</a:t>
             </a:fld>
             <a:endParaRPr lang="ko-KR" altLang="en-US"/>
           </a:p>
@@ -679,7 +681,7 @@
           <p:cNvPr id="5" name="바닥글 개체 틀 4">
             <a:extLst>
               <a:ext uri="{FF2B5EF4-FFF2-40B4-BE49-F238E27FC236}">
-                <a16:creationId xmlns="" xmlns:a16="http://schemas.microsoft.com/office/drawing/2014/main" id="{520FEDAB-20AC-4D73-8FFF-9BC50C94CAE6}"/>
+                <a16:creationId xmlns:a16="http://schemas.microsoft.com/office/drawing/2014/main" xmlns="" id="{520FEDAB-20AC-4D73-8FFF-9BC50C94CAE6}"/>
               </a:ext>
             </a:extLst>
           </p:cNvPr>
@@ -704,7 +706,7 @@
           <p:cNvPr id="6" name="슬라이드 번호 개체 틀 5">
             <a:extLst>
               <a:ext uri="{FF2B5EF4-FFF2-40B4-BE49-F238E27FC236}">
-                <a16:creationId xmlns="" xmlns:a16="http://schemas.microsoft.com/office/drawing/2014/main" id="{CFA13A7A-C505-4E94-A5B3-09C92A84471B}"/>
+                <a16:creationId xmlns:a16="http://schemas.microsoft.com/office/drawing/2014/main" xmlns="" id="{CFA13A7A-C505-4E94-A5B3-09C92A84471B}"/>
               </a:ext>
             </a:extLst>
           </p:cNvPr>
@@ -763,7 +765,7 @@
           <p:cNvPr id="2" name="제목 1">
             <a:extLst>
               <a:ext uri="{FF2B5EF4-FFF2-40B4-BE49-F238E27FC236}">
-                <a16:creationId xmlns="" xmlns:a16="http://schemas.microsoft.com/office/drawing/2014/main" id="{1DC28FAF-8E5E-4548-91F8-EA706372E676}"/>
+                <a16:creationId xmlns:a16="http://schemas.microsoft.com/office/drawing/2014/main" xmlns="" id="{1DC28FAF-8E5E-4548-91F8-EA706372E676}"/>
               </a:ext>
             </a:extLst>
           </p:cNvPr>
@@ -791,7 +793,7 @@
           <p:cNvPr id="3" name="내용 개체 틀 2">
             <a:extLst>
               <a:ext uri="{FF2B5EF4-FFF2-40B4-BE49-F238E27FC236}">
-                <a16:creationId xmlns="" xmlns:a16="http://schemas.microsoft.com/office/drawing/2014/main" id="{1A78F300-581C-46AF-A077-165D0FD8EF6C}"/>
+                <a16:creationId xmlns:a16="http://schemas.microsoft.com/office/drawing/2014/main" xmlns="" id="{1A78F300-581C-46AF-A077-165D0FD8EF6C}"/>
               </a:ext>
             </a:extLst>
           </p:cNvPr>
@@ -848,7 +850,7 @@
           <p:cNvPr id="4" name="날짜 개체 틀 3">
             <a:extLst>
               <a:ext uri="{FF2B5EF4-FFF2-40B4-BE49-F238E27FC236}">
-                <a16:creationId xmlns="" xmlns:a16="http://schemas.microsoft.com/office/drawing/2014/main" id="{C96D0F14-E588-47EE-9EC0-F49810A823AA}"/>
+                <a16:creationId xmlns:a16="http://schemas.microsoft.com/office/drawing/2014/main" xmlns="" id="{C96D0F14-E588-47EE-9EC0-F49810A823AA}"/>
               </a:ext>
             </a:extLst>
           </p:cNvPr>
@@ -866,7 +868,7 @@
           <a:p>
             <a:fld id="{A7842A97-13E0-43F1-9800-D018C79BD59F}" type="datetimeFigureOut">
               <a:rPr lang="ko-KR" altLang="en-US" smtClean="0"/>
-              <a:t>2021-08-30</a:t>
+              <a:t>2021-08-31</a:t>
             </a:fld>
             <a:endParaRPr lang="ko-KR" altLang="en-US"/>
           </a:p>
@@ -877,7 +879,7 @@
           <p:cNvPr id="5" name="바닥글 개체 틀 4">
             <a:extLst>
               <a:ext uri="{FF2B5EF4-FFF2-40B4-BE49-F238E27FC236}">
-                <a16:creationId xmlns="" xmlns:a16="http://schemas.microsoft.com/office/drawing/2014/main" id="{4B4DD771-1411-47EF-AF30-78BBF0877C5D}"/>
+                <a16:creationId xmlns:a16="http://schemas.microsoft.com/office/drawing/2014/main" xmlns="" id="{4B4DD771-1411-47EF-AF30-78BBF0877C5D}"/>
               </a:ext>
             </a:extLst>
           </p:cNvPr>
@@ -902,7 +904,7 @@
           <p:cNvPr id="6" name="슬라이드 번호 개체 틀 5">
             <a:extLst>
               <a:ext uri="{FF2B5EF4-FFF2-40B4-BE49-F238E27FC236}">
-                <a16:creationId xmlns="" xmlns:a16="http://schemas.microsoft.com/office/drawing/2014/main" id="{1D066E5A-B49E-4B16-B142-EB574E75FB94}"/>
+                <a16:creationId xmlns:a16="http://schemas.microsoft.com/office/drawing/2014/main" xmlns="" id="{1D066E5A-B49E-4B16-B142-EB574E75FB94}"/>
               </a:ext>
             </a:extLst>
           </p:cNvPr>
@@ -961,7 +963,7 @@
           <p:cNvPr id="2" name="제목 1">
             <a:extLst>
               <a:ext uri="{FF2B5EF4-FFF2-40B4-BE49-F238E27FC236}">
-                <a16:creationId xmlns="" xmlns:a16="http://schemas.microsoft.com/office/drawing/2014/main" id="{286BA1B0-C00F-4413-9DDD-4646C7AF5199}"/>
+                <a16:creationId xmlns:a16="http://schemas.microsoft.com/office/drawing/2014/main" xmlns="" id="{286BA1B0-C00F-4413-9DDD-4646C7AF5199}"/>
               </a:ext>
             </a:extLst>
           </p:cNvPr>
@@ -998,7 +1000,7 @@
           <p:cNvPr id="3" name="텍스트 개체 틀 2">
             <a:extLst>
               <a:ext uri="{FF2B5EF4-FFF2-40B4-BE49-F238E27FC236}">
-                <a16:creationId xmlns="" xmlns:a16="http://schemas.microsoft.com/office/drawing/2014/main" id="{219E884D-46C5-452A-821A-EEEB7CC7FBAE}"/>
+                <a16:creationId xmlns:a16="http://schemas.microsoft.com/office/drawing/2014/main" xmlns="" id="{219E884D-46C5-452A-821A-EEEB7CC7FBAE}"/>
               </a:ext>
             </a:extLst>
           </p:cNvPr>
@@ -1123,7 +1125,7 @@
           <p:cNvPr id="4" name="날짜 개체 틀 3">
             <a:extLst>
               <a:ext uri="{FF2B5EF4-FFF2-40B4-BE49-F238E27FC236}">
-                <a16:creationId xmlns="" xmlns:a16="http://schemas.microsoft.com/office/drawing/2014/main" id="{6F126B1E-10C7-452C-8558-BFBB8CEF3BFF}"/>
+                <a16:creationId xmlns:a16="http://schemas.microsoft.com/office/drawing/2014/main" xmlns="" id="{6F126B1E-10C7-452C-8558-BFBB8CEF3BFF}"/>
               </a:ext>
             </a:extLst>
           </p:cNvPr>
@@ -1141,7 +1143,7 @@
           <a:p>
             <a:fld id="{A7842A97-13E0-43F1-9800-D018C79BD59F}" type="datetimeFigureOut">
               <a:rPr lang="ko-KR" altLang="en-US" smtClean="0"/>
-              <a:t>2021-08-30</a:t>
+              <a:t>2021-08-31</a:t>
             </a:fld>
             <a:endParaRPr lang="ko-KR" altLang="en-US"/>
           </a:p>
@@ -1152,7 +1154,7 @@
           <p:cNvPr id="5" name="바닥글 개체 틀 4">
             <a:extLst>
               <a:ext uri="{FF2B5EF4-FFF2-40B4-BE49-F238E27FC236}">
-                <a16:creationId xmlns="" xmlns:a16="http://schemas.microsoft.com/office/drawing/2014/main" id="{5BFB809F-5893-4719-9A90-0F90EDE39738}"/>
+                <a16:creationId xmlns:a16="http://schemas.microsoft.com/office/drawing/2014/main" xmlns="" id="{5BFB809F-5893-4719-9A90-0F90EDE39738}"/>
               </a:ext>
             </a:extLst>
           </p:cNvPr>
@@ -1177,7 +1179,7 @@
           <p:cNvPr id="6" name="슬라이드 번호 개체 틀 5">
             <a:extLst>
               <a:ext uri="{FF2B5EF4-FFF2-40B4-BE49-F238E27FC236}">
-                <a16:creationId xmlns="" xmlns:a16="http://schemas.microsoft.com/office/drawing/2014/main" id="{AF08D278-945A-44E4-9746-FB3EAEC6CD7E}"/>
+                <a16:creationId xmlns:a16="http://schemas.microsoft.com/office/drawing/2014/main" xmlns="" id="{AF08D278-945A-44E4-9746-FB3EAEC6CD7E}"/>
               </a:ext>
             </a:extLst>
           </p:cNvPr>
@@ -1236,7 +1238,7 @@
           <p:cNvPr id="2" name="제목 1">
             <a:extLst>
               <a:ext uri="{FF2B5EF4-FFF2-40B4-BE49-F238E27FC236}">
-                <a16:creationId xmlns="" xmlns:a16="http://schemas.microsoft.com/office/drawing/2014/main" id="{D95BCC01-1568-42CA-A45B-EEE72855676D}"/>
+                <a16:creationId xmlns:a16="http://schemas.microsoft.com/office/drawing/2014/main" xmlns="" id="{D95BCC01-1568-42CA-A45B-EEE72855676D}"/>
               </a:ext>
             </a:extLst>
           </p:cNvPr>
@@ -1264,7 +1266,7 @@
           <p:cNvPr id="3" name="내용 개체 틀 2">
             <a:extLst>
               <a:ext uri="{FF2B5EF4-FFF2-40B4-BE49-F238E27FC236}">
-                <a16:creationId xmlns="" xmlns:a16="http://schemas.microsoft.com/office/drawing/2014/main" id="{8F6FCB0E-2563-44F7-936C-67C941F8FFC2}"/>
+                <a16:creationId xmlns:a16="http://schemas.microsoft.com/office/drawing/2014/main" xmlns="" id="{8F6FCB0E-2563-44F7-936C-67C941F8FFC2}"/>
               </a:ext>
             </a:extLst>
           </p:cNvPr>
@@ -1326,7 +1328,7 @@
           <p:cNvPr id="4" name="내용 개체 틀 3">
             <a:extLst>
               <a:ext uri="{FF2B5EF4-FFF2-40B4-BE49-F238E27FC236}">
-                <a16:creationId xmlns="" xmlns:a16="http://schemas.microsoft.com/office/drawing/2014/main" id="{0C2A5A03-4A89-4F5D-AAB0-7DD457320303}"/>
+                <a16:creationId xmlns:a16="http://schemas.microsoft.com/office/drawing/2014/main" xmlns="" id="{0C2A5A03-4A89-4F5D-AAB0-7DD457320303}"/>
               </a:ext>
             </a:extLst>
           </p:cNvPr>
@@ -1388,7 +1390,7 @@
           <p:cNvPr id="5" name="날짜 개체 틀 4">
             <a:extLst>
               <a:ext uri="{FF2B5EF4-FFF2-40B4-BE49-F238E27FC236}">
-                <a16:creationId xmlns="" xmlns:a16="http://schemas.microsoft.com/office/drawing/2014/main" id="{D309426E-5F42-456A-A145-353AAB4B3B5D}"/>
+                <a16:creationId xmlns:a16="http://schemas.microsoft.com/office/drawing/2014/main" xmlns="" id="{D309426E-5F42-456A-A145-353AAB4B3B5D}"/>
               </a:ext>
             </a:extLst>
           </p:cNvPr>
@@ -1406,7 +1408,7 @@
           <a:p>
             <a:fld id="{A7842A97-13E0-43F1-9800-D018C79BD59F}" type="datetimeFigureOut">
               <a:rPr lang="ko-KR" altLang="en-US" smtClean="0"/>
-              <a:t>2021-08-30</a:t>
+              <a:t>2021-08-31</a:t>
             </a:fld>
             <a:endParaRPr lang="ko-KR" altLang="en-US"/>
           </a:p>
@@ -1417,7 +1419,7 @@
           <p:cNvPr id="6" name="바닥글 개체 틀 5">
             <a:extLst>
               <a:ext uri="{FF2B5EF4-FFF2-40B4-BE49-F238E27FC236}">
-                <a16:creationId xmlns="" xmlns:a16="http://schemas.microsoft.com/office/drawing/2014/main" id="{50383719-9B65-40E6-9D96-DA7460DE0E03}"/>
+                <a16:creationId xmlns:a16="http://schemas.microsoft.com/office/drawing/2014/main" xmlns="" id="{50383719-9B65-40E6-9D96-DA7460DE0E03}"/>
               </a:ext>
             </a:extLst>
           </p:cNvPr>
@@ -1442,7 +1444,7 @@
           <p:cNvPr id="7" name="슬라이드 번호 개체 틀 6">
             <a:extLst>
               <a:ext uri="{FF2B5EF4-FFF2-40B4-BE49-F238E27FC236}">
-                <a16:creationId xmlns="" xmlns:a16="http://schemas.microsoft.com/office/drawing/2014/main" id="{BB313D1C-E65D-40A3-8B39-6D7A443F953E}"/>
+                <a16:creationId xmlns:a16="http://schemas.microsoft.com/office/drawing/2014/main" xmlns="" id="{BB313D1C-E65D-40A3-8B39-6D7A443F953E}"/>
               </a:ext>
             </a:extLst>
           </p:cNvPr>
@@ -1501,7 +1503,7 @@
           <p:cNvPr id="2" name="제목 1">
             <a:extLst>
               <a:ext uri="{FF2B5EF4-FFF2-40B4-BE49-F238E27FC236}">
-                <a16:creationId xmlns="" xmlns:a16="http://schemas.microsoft.com/office/drawing/2014/main" id="{5ABAFE61-A100-4A0D-A26D-990177E3C592}"/>
+                <a16:creationId xmlns:a16="http://schemas.microsoft.com/office/drawing/2014/main" xmlns="" id="{5ABAFE61-A100-4A0D-A26D-990177E3C592}"/>
               </a:ext>
             </a:extLst>
           </p:cNvPr>
@@ -1534,7 +1536,7 @@
           <p:cNvPr id="3" name="텍스트 개체 틀 2">
             <a:extLst>
               <a:ext uri="{FF2B5EF4-FFF2-40B4-BE49-F238E27FC236}">
-                <a16:creationId xmlns="" xmlns:a16="http://schemas.microsoft.com/office/drawing/2014/main" id="{96CA621B-A416-4E3A-BF03-83197F893633}"/>
+                <a16:creationId xmlns:a16="http://schemas.microsoft.com/office/drawing/2014/main" xmlns="" id="{96CA621B-A416-4E3A-BF03-83197F893633}"/>
               </a:ext>
             </a:extLst>
           </p:cNvPr>
@@ -1605,7 +1607,7 @@
           <p:cNvPr id="4" name="내용 개체 틀 3">
             <a:extLst>
               <a:ext uri="{FF2B5EF4-FFF2-40B4-BE49-F238E27FC236}">
-                <a16:creationId xmlns="" xmlns:a16="http://schemas.microsoft.com/office/drawing/2014/main" id="{A99B40F4-8C36-42BF-8C6E-871C0E91949C}"/>
+                <a16:creationId xmlns:a16="http://schemas.microsoft.com/office/drawing/2014/main" xmlns="" id="{A99B40F4-8C36-42BF-8C6E-871C0E91949C}"/>
               </a:ext>
             </a:extLst>
           </p:cNvPr>
@@ -1667,7 +1669,7 @@
           <p:cNvPr id="5" name="텍스트 개체 틀 4">
             <a:extLst>
               <a:ext uri="{FF2B5EF4-FFF2-40B4-BE49-F238E27FC236}">
-                <a16:creationId xmlns="" xmlns:a16="http://schemas.microsoft.com/office/drawing/2014/main" id="{7B05132D-8FBF-4758-807C-8689D59F9BC9}"/>
+                <a16:creationId xmlns:a16="http://schemas.microsoft.com/office/drawing/2014/main" xmlns="" id="{7B05132D-8FBF-4758-807C-8689D59F9BC9}"/>
               </a:ext>
             </a:extLst>
           </p:cNvPr>
@@ -1738,7 +1740,7 @@
           <p:cNvPr id="6" name="내용 개체 틀 5">
             <a:extLst>
               <a:ext uri="{FF2B5EF4-FFF2-40B4-BE49-F238E27FC236}">
-                <a16:creationId xmlns="" xmlns:a16="http://schemas.microsoft.com/office/drawing/2014/main" id="{4652B4BB-D038-40B3-AA6C-94DF9AEBFEEE}"/>
+                <a16:creationId xmlns:a16="http://schemas.microsoft.com/office/drawing/2014/main" xmlns="" id="{4652B4BB-D038-40B3-AA6C-94DF9AEBFEEE}"/>
               </a:ext>
             </a:extLst>
           </p:cNvPr>
@@ -1800,7 +1802,7 @@
           <p:cNvPr id="7" name="날짜 개체 틀 6">
             <a:extLst>
               <a:ext uri="{FF2B5EF4-FFF2-40B4-BE49-F238E27FC236}">
-                <a16:creationId xmlns="" xmlns:a16="http://schemas.microsoft.com/office/drawing/2014/main" id="{99D21017-C632-4035-BBE3-0C2D7387198D}"/>
+                <a16:creationId xmlns:a16="http://schemas.microsoft.com/office/drawing/2014/main" xmlns="" id="{99D21017-C632-4035-BBE3-0C2D7387198D}"/>
               </a:ext>
             </a:extLst>
           </p:cNvPr>
@@ -1818,7 +1820,7 @@
           <a:p>
             <a:fld id="{A7842A97-13E0-43F1-9800-D018C79BD59F}" type="datetimeFigureOut">
               <a:rPr lang="ko-KR" altLang="en-US" smtClean="0"/>
-              <a:t>2021-08-30</a:t>
+              <a:t>2021-08-31</a:t>
             </a:fld>
             <a:endParaRPr lang="ko-KR" altLang="en-US"/>
           </a:p>
@@ -1829,7 +1831,7 @@
           <p:cNvPr id="8" name="바닥글 개체 틀 7">
             <a:extLst>
               <a:ext uri="{FF2B5EF4-FFF2-40B4-BE49-F238E27FC236}">
-                <a16:creationId xmlns="" xmlns:a16="http://schemas.microsoft.com/office/drawing/2014/main" id="{88785101-717B-458B-BE9B-C7F8424E6E7E}"/>
+                <a16:creationId xmlns:a16="http://schemas.microsoft.com/office/drawing/2014/main" xmlns="" id="{88785101-717B-458B-BE9B-C7F8424E6E7E}"/>
               </a:ext>
             </a:extLst>
           </p:cNvPr>
@@ -1854,7 +1856,7 @@
           <p:cNvPr id="9" name="슬라이드 번호 개체 틀 8">
             <a:extLst>
               <a:ext uri="{FF2B5EF4-FFF2-40B4-BE49-F238E27FC236}">
-                <a16:creationId xmlns="" xmlns:a16="http://schemas.microsoft.com/office/drawing/2014/main" id="{1E44213C-813A-4771-B063-AAD20472F6AD}"/>
+                <a16:creationId xmlns:a16="http://schemas.microsoft.com/office/drawing/2014/main" xmlns="" id="{1E44213C-813A-4771-B063-AAD20472F6AD}"/>
               </a:ext>
             </a:extLst>
           </p:cNvPr>
@@ -1913,7 +1915,7 @@
           <p:cNvPr id="2" name="제목 1">
             <a:extLst>
               <a:ext uri="{FF2B5EF4-FFF2-40B4-BE49-F238E27FC236}">
-                <a16:creationId xmlns="" xmlns:a16="http://schemas.microsoft.com/office/drawing/2014/main" id="{35974C8F-073A-4B83-B0A1-C970F218B298}"/>
+                <a16:creationId xmlns:a16="http://schemas.microsoft.com/office/drawing/2014/main" xmlns="" id="{35974C8F-073A-4B83-B0A1-C970F218B298}"/>
               </a:ext>
             </a:extLst>
           </p:cNvPr>
@@ -1941,7 +1943,7 @@
           <p:cNvPr id="3" name="날짜 개체 틀 2">
             <a:extLst>
               <a:ext uri="{FF2B5EF4-FFF2-40B4-BE49-F238E27FC236}">
-                <a16:creationId xmlns="" xmlns:a16="http://schemas.microsoft.com/office/drawing/2014/main" id="{E28B1DD8-61B1-48F1-A5E6-79C22DBE7776}"/>
+                <a16:creationId xmlns:a16="http://schemas.microsoft.com/office/drawing/2014/main" xmlns="" id="{E28B1DD8-61B1-48F1-A5E6-79C22DBE7776}"/>
               </a:ext>
             </a:extLst>
           </p:cNvPr>
@@ -1959,7 +1961,7 @@
           <a:p>
             <a:fld id="{A7842A97-13E0-43F1-9800-D018C79BD59F}" type="datetimeFigureOut">
               <a:rPr lang="ko-KR" altLang="en-US" smtClean="0"/>
-              <a:t>2021-08-30</a:t>
+              <a:t>2021-08-31</a:t>
             </a:fld>
             <a:endParaRPr lang="ko-KR" altLang="en-US"/>
           </a:p>
@@ -1970,7 +1972,7 @@
           <p:cNvPr id="4" name="바닥글 개체 틀 3">
             <a:extLst>
               <a:ext uri="{FF2B5EF4-FFF2-40B4-BE49-F238E27FC236}">
-                <a16:creationId xmlns="" xmlns:a16="http://schemas.microsoft.com/office/drawing/2014/main" id="{C35AD3BB-AB69-401F-B1D5-278FA5D4C6DE}"/>
+                <a16:creationId xmlns:a16="http://schemas.microsoft.com/office/drawing/2014/main" xmlns="" id="{C35AD3BB-AB69-401F-B1D5-278FA5D4C6DE}"/>
               </a:ext>
             </a:extLst>
           </p:cNvPr>
@@ -1995,7 +1997,7 @@
           <p:cNvPr id="5" name="슬라이드 번호 개체 틀 4">
             <a:extLst>
               <a:ext uri="{FF2B5EF4-FFF2-40B4-BE49-F238E27FC236}">
-                <a16:creationId xmlns="" xmlns:a16="http://schemas.microsoft.com/office/drawing/2014/main" id="{7BEAC493-75DA-486F-9849-12F2A759BAD6}"/>
+                <a16:creationId xmlns:a16="http://schemas.microsoft.com/office/drawing/2014/main" xmlns="" id="{7BEAC493-75DA-486F-9849-12F2A759BAD6}"/>
               </a:ext>
             </a:extLst>
           </p:cNvPr>
@@ -2054,7 +2056,7 @@
           <p:cNvPr id="2" name="날짜 개체 틀 1">
             <a:extLst>
               <a:ext uri="{FF2B5EF4-FFF2-40B4-BE49-F238E27FC236}">
-                <a16:creationId xmlns="" xmlns:a16="http://schemas.microsoft.com/office/drawing/2014/main" id="{BD662B3F-9007-4E59-8CDC-75FD89BBAFB7}"/>
+                <a16:creationId xmlns:a16="http://schemas.microsoft.com/office/drawing/2014/main" xmlns="" id="{BD662B3F-9007-4E59-8CDC-75FD89BBAFB7}"/>
               </a:ext>
             </a:extLst>
           </p:cNvPr>
@@ -2072,7 +2074,7 @@
           <a:p>
             <a:fld id="{A7842A97-13E0-43F1-9800-D018C79BD59F}" type="datetimeFigureOut">
               <a:rPr lang="ko-KR" altLang="en-US" smtClean="0"/>
-              <a:t>2021-08-30</a:t>
+              <a:t>2021-08-31</a:t>
             </a:fld>
             <a:endParaRPr lang="ko-KR" altLang="en-US"/>
           </a:p>
@@ -2083,7 +2085,7 @@
           <p:cNvPr id="3" name="바닥글 개체 틀 2">
             <a:extLst>
               <a:ext uri="{FF2B5EF4-FFF2-40B4-BE49-F238E27FC236}">
-                <a16:creationId xmlns="" xmlns:a16="http://schemas.microsoft.com/office/drawing/2014/main" id="{74BBBA69-A4E9-48ED-B4EF-8604D953841B}"/>
+                <a16:creationId xmlns:a16="http://schemas.microsoft.com/office/drawing/2014/main" xmlns="" id="{74BBBA69-A4E9-48ED-B4EF-8604D953841B}"/>
               </a:ext>
             </a:extLst>
           </p:cNvPr>
@@ -2108,7 +2110,7 @@
           <p:cNvPr id="4" name="슬라이드 번호 개체 틀 3">
             <a:extLst>
               <a:ext uri="{FF2B5EF4-FFF2-40B4-BE49-F238E27FC236}">
-                <a16:creationId xmlns="" xmlns:a16="http://schemas.microsoft.com/office/drawing/2014/main" id="{24B9CA15-B641-40FF-BFA9-2E9117444B6F}"/>
+                <a16:creationId xmlns:a16="http://schemas.microsoft.com/office/drawing/2014/main" xmlns="" id="{24B9CA15-B641-40FF-BFA9-2E9117444B6F}"/>
               </a:ext>
             </a:extLst>
           </p:cNvPr>
@@ -2167,7 +2169,7 @@
           <p:cNvPr id="2" name="제목 1">
             <a:extLst>
               <a:ext uri="{FF2B5EF4-FFF2-40B4-BE49-F238E27FC236}">
-                <a16:creationId xmlns="" xmlns:a16="http://schemas.microsoft.com/office/drawing/2014/main" id="{676F2130-44A1-4DCE-8511-E250EE7846C3}"/>
+                <a16:creationId xmlns:a16="http://schemas.microsoft.com/office/drawing/2014/main" xmlns="" id="{676F2130-44A1-4DCE-8511-E250EE7846C3}"/>
               </a:ext>
             </a:extLst>
           </p:cNvPr>
@@ -2204,7 +2206,7 @@
           <p:cNvPr id="3" name="내용 개체 틀 2">
             <a:extLst>
               <a:ext uri="{FF2B5EF4-FFF2-40B4-BE49-F238E27FC236}">
-                <a16:creationId xmlns="" xmlns:a16="http://schemas.microsoft.com/office/drawing/2014/main" id="{64313D43-E2CA-4A57-8597-727D5989A677}"/>
+                <a16:creationId xmlns:a16="http://schemas.microsoft.com/office/drawing/2014/main" xmlns="" id="{64313D43-E2CA-4A57-8597-727D5989A677}"/>
               </a:ext>
             </a:extLst>
           </p:cNvPr>
@@ -2294,7 +2296,7 @@
           <p:cNvPr id="4" name="텍스트 개체 틀 3">
             <a:extLst>
               <a:ext uri="{FF2B5EF4-FFF2-40B4-BE49-F238E27FC236}">
-                <a16:creationId xmlns="" xmlns:a16="http://schemas.microsoft.com/office/drawing/2014/main" id="{36DD1DE3-10BE-484D-B68B-F370A0A866E3}"/>
+                <a16:creationId xmlns:a16="http://schemas.microsoft.com/office/drawing/2014/main" xmlns="" id="{36DD1DE3-10BE-484D-B68B-F370A0A866E3}"/>
               </a:ext>
             </a:extLst>
           </p:cNvPr>
@@ -2365,7 +2367,7 @@
           <p:cNvPr id="5" name="날짜 개체 틀 4">
             <a:extLst>
               <a:ext uri="{FF2B5EF4-FFF2-40B4-BE49-F238E27FC236}">
-                <a16:creationId xmlns="" xmlns:a16="http://schemas.microsoft.com/office/drawing/2014/main" id="{A2311075-20C1-49F5-92CF-0B2979357CF3}"/>
+                <a16:creationId xmlns:a16="http://schemas.microsoft.com/office/drawing/2014/main" xmlns="" id="{A2311075-20C1-49F5-92CF-0B2979357CF3}"/>
               </a:ext>
             </a:extLst>
           </p:cNvPr>
@@ -2383,7 +2385,7 @@
           <a:p>
             <a:fld id="{A7842A97-13E0-43F1-9800-D018C79BD59F}" type="datetimeFigureOut">
               <a:rPr lang="ko-KR" altLang="en-US" smtClean="0"/>
-              <a:t>2021-08-30</a:t>
+              <a:t>2021-08-31</a:t>
             </a:fld>
             <a:endParaRPr lang="ko-KR" altLang="en-US"/>
           </a:p>
@@ -2394,7 +2396,7 @@
           <p:cNvPr id="6" name="바닥글 개체 틀 5">
             <a:extLst>
               <a:ext uri="{FF2B5EF4-FFF2-40B4-BE49-F238E27FC236}">
-                <a16:creationId xmlns="" xmlns:a16="http://schemas.microsoft.com/office/drawing/2014/main" id="{9C8611AE-7746-4EDE-8417-34A36EA249EC}"/>
+                <a16:creationId xmlns:a16="http://schemas.microsoft.com/office/drawing/2014/main" xmlns="" id="{9C8611AE-7746-4EDE-8417-34A36EA249EC}"/>
               </a:ext>
             </a:extLst>
           </p:cNvPr>
@@ -2419,7 +2421,7 @@
           <p:cNvPr id="7" name="슬라이드 번호 개체 틀 6">
             <a:extLst>
               <a:ext uri="{FF2B5EF4-FFF2-40B4-BE49-F238E27FC236}">
-                <a16:creationId xmlns="" xmlns:a16="http://schemas.microsoft.com/office/drawing/2014/main" id="{68933BDA-4DAD-419B-A001-C074502430E5}"/>
+                <a16:creationId xmlns:a16="http://schemas.microsoft.com/office/drawing/2014/main" xmlns="" id="{68933BDA-4DAD-419B-A001-C074502430E5}"/>
               </a:ext>
             </a:extLst>
           </p:cNvPr>
@@ -2478,7 +2480,7 @@
           <p:cNvPr id="2" name="제목 1">
             <a:extLst>
               <a:ext uri="{FF2B5EF4-FFF2-40B4-BE49-F238E27FC236}">
-                <a16:creationId xmlns="" xmlns:a16="http://schemas.microsoft.com/office/drawing/2014/main" id="{080707B3-D12F-4326-994A-5966E8FF28D1}"/>
+                <a16:creationId xmlns:a16="http://schemas.microsoft.com/office/drawing/2014/main" xmlns="" id="{080707B3-D12F-4326-994A-5966E8FF28D1}"/>
               </a:ext>
             </a:extLst>
           </p:cNvPr>
@@ -2515,7 +2517,7 @@
           <p:cNvPr id="3" name="그림 개체 틀 2">
             <a:extLst>
               <a:ext uri="{FF2B5EF4-FFF2-40B4-BE49-F238E27FC236}">
-                <a16:creationId xmlns="" xmlns:a16="http://schemas.microsoft.com/office/drawing/2014/main" id="{A4E9873E-A03F-4D13-9111-3E3818C4C2CE}"/>
+                <a16:creationId xmlns:a16="http://schemas.microsoft.com/office/drawing/2014/main" xmlns="" id="{A4E9873E-A03F-4D13-9111-3E3818C4C2CE}"/>
               </a:ext>
             </a:extLst>
           </p:cNvPr>
@@ -2582,7 +2584,7 @@
           <p:cNvPr id="4" name="텍스트 개체 틀 3">
             <a:extLst>
               <a:ext uri="{FF2B5EF4-FFF2-40B4-BE49-F238E27FC236}">
-                <a16:creationId xmlns="" xmlns:a16="http://schemas.microsoft.com/office/drawing/2014/main" id="{42A62B28-2FCC-43CE-A0AD-127C5EECF02A}"/>
+                <a16:creationId xmlns:a16="http://schemas.microsoft.com/office/drawing/2014/main" xmlns="" id="{42A62B28-2FCC-43CE-A0AD-127C5EECF02A}"/>
               </a:ext>
             </a:extLst>
           </p:cNvPr>
@@ -2653,7 +2655,7 @@
           <p:cNvPr id="5" name="날짜 개체 틀 4">
             <a:extLst>
               <a:ext uri="{FF2B5EF4-FFF2-40B4-BE49-F238E27FC236}">
-                <a16:creationId xmlns="" xmlns:a16="http://schemas.microsoft.com/office/drawing/2014/main" id="{DB6927E8-05BE-4165-A7A4-9A56D31AA5B4}"/>
+                <a16:creationId xmlns:a16="http://schemas.microsoft.com/office/drawing/2014/main" xmlns="" id="{DB6927E8-05BE-4165-A7A4-9A56D31AA5B4}"/>
               </a:ext>
             </a:extLst>
           </p:cNvPr>
@@ -2671,7 +2673,7 @@
           <a:p>
             <a:fld id="{A7842A97-13E0-43F1-9800-D018C79BD59F}" type="datetimeFigureOut">
               <a:rPr lang="ko-KR" altLang="en-US" smtClean="0"/>
-              <a:t>2021-08-30</a:t>
+              <a:t>2021-08-31</a:t>
             </a:fld>
             <a:endParaRPr lang="ko-KR" altLang="en-US"/>
           </a:p>
@@ -2682,7 +2684,7 @@
           <p:cNvPr id="6" name="바닥글 개체 틀 5">
             <a:extLst>
               <a:ext uri="{FF2B5EF4-FFF2-40B4-BE49-F238E27FC236}">
-                <a16:creationId xmlns="" xmlns:a16="http://schemas.microsoft.com/office/drawing/2014/main" id="{5398265B-ABCF-4973-A0DF-D87E09652FAC}"/>
+                <a16:creationId xmlns:a16="http://schemas.microsoft.com/office/drawing/2014/main" xmlns="" id="{5398265B-ABCF-4973-A0DF-D87E09652FAC}"/>
               </a:ext>
             </a:extLst>
           </p:cNvPr>
@@ -2707,7 +2709,7 @@
           <p:cNvPr id="7" name="슬라이드 번호 개체 틀 6">
             <a:extLst>
               <a:ext uri="{FF2B5EF4-FFF2-40B4-BE49-F238E27FC236}">
-                <a16:creationId xmlns="" xmlns:a16="http://schemas.microsoft.com/office/drawing/2014/main" id="{D15E5E4A-74FD-44C9-933C-42FC60E5B9C0}"/>
+                <a16:creationId xmlns:a16="http://schemas.microsoft.com/office/drawing/2014/main" xmlns="" id="{D15E5E4A-74FD-44C9-933C-42FC60E5B9C0}"/>
               </a:ext>
             </a:extLst>
           </p:cNvPr>
@@ -2771,7 +2773,7 @@
           <p:cNvPr id="2" name="제목 개체 틀 1">
             <a:extLst>
               <a:ext uri="{FF2B5EF4-FFF2-40B4-BE49-F238E27FC236}">
-                <a16:creationId xmlns="" xmlns:a16="http://schemas.microsoft.com/office/drawing/2014/main" id="{63A2ACA7-3C29-43AE-9C0B-365041C3C2B2}"/>
+                <a16:creationId xmlns:a16="http://schemas.microsoft.com/office/drawing/2014/main" xmlns="" id="{63A2ACA7-3C29-43AE-9C0B-365041C3C2B2}"/>
               </a:ext>
             </a:extLst>
           </p:cNvPr>
@@ -2809,7 +2811,7 @@
           <p:cNvPr id="3" name="텍스트 개체 틀 2">
             <a:extLst>
               <a:ext uri="{FF2B5EF4-FFF2-40B4-BE49-F238E27FC236}">
-                <a16:creationId xmlns="" xmlns:a16="http://schemas.microsoft.com/office/drawing/2014/main" id="{0C6F06A2-4D0C-463C-8218-83EA1C21A37D}"/>
+                <a16:creationId xmlns:a16="http://schemas.microsoft.com/office/drawing/2014/main" xmlns="" id="{0C6F06A2-4D0C-463C-8218-83EA1C21A37D}"/>
               </a:ext>
             </a:extLst>
           </p:cNvPr>
@@ -2876,7 +2878,7 @@
           <p:cNvPr id="4" name="날짜 개체 틀 3">
             <a:extLst>
               <a:ext uri="{FF2B5EF4-FFF2-40B4-BE49-F238E27FC236}">
-                <a16:creationId xmlns="" xmlns:a16="http://schemas.microsoft.com/office/drawing/2014/main" id="{3FFF8C6A-0960-47DB-80A0-F02CE4F2F72E}"/>
+                <a16:creationId xmlns:a16="http://schemas.microsoft.com/office/drawing/2014/main" xmlns="" id="{3FFF8C6A-0960-47DB-80A0-F02CE4F2F72E}"/>
               </a:ext>
             </a:extLst>
           </p:cNvPr>
@@ -2912,7 +2914,7 @@
           <a:p>
             <a:fld id="{A7842A97-13E0-43F1-9800-D018C79BD59F}" type="datetimeFigureOut">
               <a:rPr lang="ko-KR" altLang="en-US" smtClean="0"/>
-              <a:t>2021-08-30</a:t>
+              <a:t>2021-08-31</a:t>
             </a:fld>
             <a:endParaRPr lang="ko-KR" altLang="en-US"/>
           </a:p>
@@ -2923,7 +2925,7 @@
           <p:cNvPr id="5" name="바닥글 개체 틀 4">
             <a:extLst>
               <a:ext uri="{FF2B5EF4-FFF2-40B4-BE49-F238E27FC236}">
-                <a16:creationId xmlns="" xmlns:a16="http://schemas.microsoft.com/office/drawing/2014/main" id="{7D4A69DC-6861-4D03-9A29-A711695CC9E4}"/>
+                <a16:creationId xmlns:a16="http://schemas.microsoft.com/office/drawing/2014/main" xmlns="" id="{7D4A69DC-6861-4D03-9A29-A711695CC9E4}"/>
               </a:ext>
             </a:extLst>
           </p:cNvPr>
@@ -2966,7 +2968,7 @@
           <p:cNvPr id="6" name="슬라이드 번호 개체 틀 5">
             <a:extLst>
               <a:ext uri="{FF2B5EF4-FFF2-40B4-BE49-F238E27FC236}">
-                <a16:creationId xmlns="" xmlns:a16="http://schemas.microsoft.com/office/drawing/2014/main" id="{C48A6379-3133-4773-921D-3CDE5980CEE1}"/>
+                <a16:creationId xmlns:a16="http://schemas.microsoft.com/office/drawing/2014/main" xmlns="" id="{C48A6379-3133-4773-921D-3CDE5980CEE1}"/>
               </a:ext>
             </a:extLst>
           </p:cNvPr>
@@ -3334,7 +3336,7 @@
           <p:cNvPr id="4" name="직사각형 3">
             <a:extLst>
               <a:ext uri="{FF2B5EF4-FFF2-40B4-BE49-F238E27FC236}">
-                <a16:creationId xmlns="" xmlns:a16="http://schemas.microsoft.com/office/drawing/2014/main" id="{19BED65B-A412-466B-9600-749BC0989612}"/>
+                <a16:creationId xmlns:a16="http://schemas.microsoft.com/office/drawing/2014/main" xmlns="" id="{19BED65B-A412-466B-9600-749BC0989612}"/>
               </a:ext>
             </a:extLst>
           </p:cNvPr>
@@ -3389,7 +3391,7 @@
           <p:cNvPr id="5" name="직사각형 4">
             <a:extLst>
               <a:ext uri="{FF2B5EF4-FFF2-40B4-BE49-F238E27FC236}">
-                <a16:creationId xmlns="" xmlns:a16="http://schemas.microsoft.com/office/drawing/2014/main" id="{184C5962-E571-472F-946D-0AC085CA3A97}"/>
+                <a16:creationId xmlns:a16="http://schemas.microsoft.com/office/drawing/2014/main" xmlns="" id="{184C5962-E571-472F-946D-0AC085CA3A97}"/>
               </a:ext>
             </a:extLst>
           </p:cNvPr>
@@ -3444,7 +3446,7 @@
           <p:cNvPr id="6" name="직사각형 5">
             <a:extLst>
               <a:ext uri="{FF2B5EF4-FFF2-40B4-BE49-F238E27FC236}">
-                <a16:creationId xmlns="" xmlns:a16="http://schemas.microsoft.com/office/drawing/2014/main" id="{2794571E-110D-4DF1-A367-8499B83EDFD2}"/>
+                <a16:creationId xmlns:a16="http://schemas.microsoft.com/office/drawing/2014/main" xmlns="" id="{2794571E-110D-4DF1-A367-8499B83EDFD2}"/>
               </a:ext>
             </a:extLst>
           </p:cNvPr>
@@ -3542,6 +3544,835 @@
     <p:extLst>
       <p:ext uri="{BB962C8B-B14F-4D97-AF65-F5344CB8AC3E}">
         <p14:creationId xmlns:p14="http://schemas.microsoft.com/office/powerpoint/2010/main" val="1120661560"/>
+      </p:ext>
+    </p:extLst>
+  </p:cSld>
+  <p:clrMapOvr>
+    <a:masterClrMapping/>
+  </p:clrMapOvr>
+</p:sld>
+</file>
+
+<file path=ppt/slides/slide10.xml><?xml version="1.0" encoding="utf-8"?>
+<p:sld xmlns:a="http://schemas.openxmlformats.org/drawingml/2006/main" xmlns:r="http://schemas.openxmlformats.org/officeDocument/2006/relationships" xmlns:p="http://schemas.openxmlformats.org/presentationml/2006/main">
+  <p:cSld>
+    <p:spTree>
+      <p:nvGrpSpPr>
+        <p:cNvPr id="1" name=""/>
+        <p:cNvGrpSpPr/>
+        <p:nvPr/>
+      </p:nvGrpSpPr>
+      <p:grpSpPr>
+        <a:xfrm>
+          <a:off x="0" y="0"/>
+          <a:ext cx="0" cy="0"/>
+          <a:chOff x="0" y="0"/>
+          <a:chExt cx="0" cy="0"/>
+        </a:xfrm>
+      </p:grpSpPr>
+      <p:pic>
+        <p:nvPicPr>
+          <p:cNvPr id="2052" name="Picture 4"/>
+          <p:cNvPicPr>
+            <a:picLocks noChangeAspect="1" noChangeArrowheads="1"/>
+          </p:cNvPicPr>
+          <p:nvPr/>
+        </p:nvPicPr>
+        <p:blipFill>
+          <a:blip r:embed="rId2">
+            <a:extLst>
+              <a:ext uri="{28A0092B-C50C-407E-A947-70E740481C1C}">
+                <a14:useLocalDpi xmlns:a14="http://schemas.microsoft.com/office/drawing/2010/main" val="0"/>
+              </a:ext>
+            </a:extLst>
+          </a:blip>
+          <a:srcRect/>
+          <a:stretch>
+            <a:fillRect/>
+          </a:stretch>
+        </p:blipFill>
+        <p:spPr bwMode="auto">
+          <a:xfrm>
+            <a:off x="293876" y="160517"/>
+            <a:ext cx="5099291" cy="3125551"/>
+          </a:xfrm>
+          <a:prstGeom prst="rect">
+            <a:avLst/>
+          </a:prstGeom>
+          <a:noFill/>
+          <a:ln>
+            <a:noFill/>
+          </a:ln>
+          <a:effectLst/>
+          <a:extLst>
+            <a:ext uri="{909E8E84-426E-40DD-AFC4-6F175D3DCCD1}">
+              <a14:hiddenFill xmlns:a14="http://schemas.microsoft.com/office/drawing/2010/main">
+                <a:solidFill>
+                  <a:schemeClr val="accent1"/>
+                </a:solidFill>
+              </a14:hiddenFill>
+            </a:ext>
+            <a:ext uri="{91240B29-F687-4F45-9708-019B960494DF}">
+              <a14:hiddenLine xmlns:a14="http://schemas.microsoft.com/office/drawing/2010/main" w="9525">
+                <a:solidFill>
+                  <a:schemeClr val="tx1"/>
+                </a:solidFill>
+                <a:miter lim="800000"/>
+                <a:headEnd/>
+                <a:tailEnd/>
+              </a14:hiddenLine>
+            </a:ext>
+            <a:ext uri="{AF507438-7753-43E0-B8FC-AC1667EBCBE1}">
+              <a14:hiddenEffects xmlns:a14="http://schemas.microsoft.com/office/drawing/2010/main">
+                <a:effectLst>
+                  <a:outerShdw dist="35921" dir="2700000" algn="ctr" rotWithShape="0">
+                    <a:schemeClr val="bg2"/>
+                  </a:outerShdw>
+                </a:effectLst>
+              </a14:hiddenEffects>
+            </a:ext>
+          </a:extLst>
+        </p:spPr>
+      </p:pic>
+      <p:cxnSp>
+        <p:nvCxnSpPr>
+          <p:cNvPr id="3" name="직선 화살표 연결선 2"/>
+          <p:cNvCxnSpPr/>
+          <p:nvPr/>
+        </p:nvCxnSpPr>
+        <p:spPr>
+          <a:xfrm flipV="1">
+            <a:off x="1393582" y="400069"/>
+            <a:ext cx="1156187" cy="1006702"/>
+          </a:xfrm>
+          <a:prstGeom prst="straightConnector1">
+            <a:avLst/>
+          </a:prstGeom>
+          <a:ln>
+            <a:tailEnd type="arrow"/>
+          </a:ln>
+        </p:spPr>
+        <p:style>
+          <a:lnRef idx="1">
+            <a:schemeClr val="accent1"/>
+          </a:lnRef>
+          <a:fillRef idx="0">
+            <a:schemeClr val="accent1"/>
+          </a:fillRef>
+          <a:effectRef idx="0">
+            <a:schemeClr val="accent1"/>
+          </a:effectRef>
+          <a:fontRef idx="minor">
+            <a:schemeClr val="tx1"/>
+          </a:fontRef>
+        </p:style>
+      </p:cxnSp>
+      <p:sp>
+        <p:nvSpPr>
+          <p:cNvPr id="6" name="TextBox 5"/>
+          <p:cNvSpPr txBox="1"/>
+          <p:nvPr/>
+        </p:nvSpPr>
+        <p:spPr>
+          <a:xfrm>
+            <a:off x="2038318" y="138459"/>
+            <a:ext cx="1271502" cy="261610"/>
+          </a:xfrm>
+          <a:prstGeom prst="rect">
+            <a:avLst/>
+          </a:prstGeom>
+          <a:noFill/>
+        </p:spPr>
+        <p:txBody>
+          <a:bodyPr wrap="none" rtlCol="0">
+            <a:spAutoFit/>
+          </a:bodyPr>
+          <a:lstStyle/>
+          <a:p>
+            <a:r>
+              <a:rPr lang="ko-KR" altLang="en-US" sz="1100" dirty="0" smtClean="0"/>
+              <a:t>항목별 필터 기능</a:t>
+            </a:r>
+            <a:endParaRPr lang="ko-KR" altLang="en-US" sz="1100" dirty="0"/>
+          </a:p>
+        </p:txBody>
+      </p:sp>
+      <p:cxnSp>
+        <p:nvCxnSpPr>
+          <p:cNvPr id="14" name="직선 화살표 연결선 13"/>
+          <p:cNvCxnSpPr/>
+          <p:nvPr/>
+        </p:nvCxnSpPr>
+        <p:spPr>
+          <a:xfrm flipH="1">
+            <a:off x="1441939" y="3077307"/>
+            <a:ext cx="650632" cy="290147"/>
+          </a:xfrm>
+          <a:prstGeom prst="straightConnector1">
+            <a:avLst/>
+          </a:prstGeom>
+          <a:ln>
+            <a:tailEnd type="arrow"/>
+          </a:ln>
+        </p:spPr>
+        <p:style>
+          <a:lnRef idx="1">
+            <a:schemeClr val="accent1"/>
+          </a:lnRef>
+          <a:fillRef idx="0">
+            <a:schemeClr val="accent1"/>
+          </a:fillRef>
+          <a:effectRef idx="0">
+            <a:schemeClr val="accent1"/>
+          </a:effectRef>
+          <a:fontRef idx="minor">
+            <a:schemeClr val="tx1"/>
+          </a:fontRef>
+        </p:style>
+      </p:cxnSp>
+      <p:sp>
+        <p:nvSpPr>
+          <p:cNvPr id="23" name="TextBox 22"/>
+          <p:cNvSpPr txBox="1"/>
+          <p:nvPr/>
+        </p:nvSpPr>
+        <p:spPr>
+          <a:xfrm>
+            <a:off x="625752" y="3412495"/>
+            <a:ext cx="1412566" cy="261610"/>
+          </a:xfrm>
+          <a:prstGeom prst="rect">
+            <a:avLst/>
+          </a:prstGeom>
+          <a:noFill/>
+        </p:spPr>
+        <p:txBody>
+          <a:bodyPr wrap="none" rtlCol="0">
+            <a:spAutoFit/>
+          </a:bodyPr>
+          <a:lstStyle/>
+          <a:p>
+            <a:r>
+              <a:rPr lang="ko-KR" altLang="en-US" sz="1100" dirty="0" smtClean="0"/>
+              <a:t>테이블 목록 최신화</a:t>
+            </a:r>
+            <a:endParaRPr lang="ko-KR" altLang="en-US" sz="1100" dirty="0"/>
+          </a:p>
+        </p:txBody>
+      </p:sp>
+      <p:cxnSp>
+        <p:nvCxnSpPr>
+          <p:cNvPr id="25" name="직선 화살표 연결선 24"/>
+          <p:cNvCxnSpPr/>
+          <p:nvPr/>
+        </p:nvCxnSpPr>
+        <p:spPr>
+          <a:xfrm>
+            <a:off x="2963007" y="3091577"/>
+            <a:ext cx="0" cy="582528"/>
+          </a:xfrm>
+          <a:prstGeom prst="straightConnector1">
+            <a:avLst/>
+          </a:prstGeom>
+          <a:ln>
+            <a:tailEnd type="arrow"/>
+          </a:ln>
+        </p:spPr>
+        <p:style>
+          <a:lnRef idx="1">
+            <a:schemeClr val="accent1"/>
+          </a:lnRef>
+          <a:fillRef idx="0">
+            <a:schemeClr val="accent1"/>
+          </a:fillRef>
+          <a:effectRef idx="0">
+            <a:schemeClr val="accent1"/>
+          </a:effectRef>
+          <a:fontRef idx="minor">
+            <a:schemeClr val="tx1"/>
+          </a:fontRef>
+        </p:style>
+      </p:cxnSp>
+      <p:sp>
+        <p:nvSpPr>
+          <p:cNvPr id="27" name="TextBox 26"/>
+          <p:cNvSpPr txBox="1"/>
+          <p:nvPr/>
+        </p:nvSpPr>
+        <p:spPr>
+          <a:xfrm>
+            <a:off x="3900886" y="3533426"/>
+            <a:ext cx="1334020" cy="261610"/>
+          </a:xfrm>
+          <a:prstGeom prst="rect">
+            <a:avLst/>
+          </a:prstGeom>
+          <a:noFill/>
+        </p:spPr>
+        <p:txBody>
+          <a:bodyPr wrap="none" rtlCol="0">
+            <a:spAutoFit/>
+          </a:bodyPr>
+          <a:lstStyle/>
+          <a:p>
+            <a:r>
+              <a:rPr lang="en-US" altLang="ko-KR" sz="1100" dirty="0" smtClean="0"/>
+              <a:t>IE</a:t>
+            </a:r>
+            <a:r>
+              <a:rPr lang="ko-KR" altLang="en-US" sz="1100" dirty="0" smtClean="0"/>
+              <a:t>테이블에서 제거</a:t>
+            </a:r>
+            <a:endParaRPr lang="ko-KR" altLang="en-US" sz="1100" dirty="0"/>
+          </a:p>
+        </p:txBody>
+      </p:sp>
+      <p:cxnSp>
+        <p:nvCxnSpPr>
+          <p:cNvPr id="29" name="직선 화살표 연결선 28"/>
+          <p:cNvCxnSpPr/>
+          <p:nvPr/>
+        </p:nvCxnSpPr>
+        <p:spPr>
+          <a:xfrm>
+            <a:off x="3900886" y="3091577"/>
+            <a:ext cx="187166" cy="320918"/>
+          </a:xfrm>
+          <a:prstGeom prst="straightConnector1">
+            <a:avLst/>
+          </a:prstGeom>
+          <a:ln>
+            <a:tailEnd type="arrow"/>
+          </a:ln>
+        </p:spPr>
+        <p:style>
+          <a:lnRef idx="1">
+            <a:schemeClr val="accent1"/>
+          </a:lnRef>
+          <a:fillRef idx="0">
+            <a:schemeClr val="accent1"/>
+          </a:fillRef>
+          <a:effectRef idx="0">
+            <a:schemeClr val="accent1"/>
+          </a:effectRef>
+          <a:fontRef idx="minor">
+            <a:schemeClr val="tx1"/>
+          </a:fontRef>
+        </p:style>
+      </p:cxnSp>
+      <p:sp>
+        <p:nvSpPr>
+          <p:cNvPr id="31" name="TextBox 30"/>
+          <p:cNvSpPr txBox="1"/>
+          <p:nvPr/>
+        </p:nvSpPr>
+        <p:spPr>
+          <a:xfrm>
+            <a:off x="2200619" y="3777376"/>
+            <a:ext cx="1524776" cy="261610"/>
+          </a:xfrm>
+          <a:prstGeom prst="rect">
+            <a:avLst/>
+          </a:prstGeom>
+          <a:noFill/>
+        </p:spPr>
+        <p:txBody>
+          <a:bodyPr wrap="none" rtlCol="0">
+            <a:spAutoFit/>
+          </a:bodyPr>
+          <a:lstStyle/>
+          <a:p>
+            <a:r>
+              <a:rPr lang="en-US" altLang="ko-KR" sz="1100" dirty="0" smtClean="0"/>
+              <a:t>IE</a:t>
+            </a:r>
+            <a:r>
+              <a:rPr lang="ko-KR" altLang="en-US" sz="1100" dirty="0" smtClean="0"/>
+              <a:t>테이블에 추가 등록</a:t>
+            </a:r>
+            <a:endParaRPr lang="ko-KR" altLang="en-US" sz="1100" dirty="0"/>
+          </a:p>
+        </p:txBody>
+      </p:sp>
+      <p:pic>
+        <p:nvPicPr>
+          <p:cNvPr id="2051" name="Picture 3"/>
+          <p:cNvPicPr>
+            <a:picLocks noChangeAspect="1" noChangeArrowheads="1"/>
+          </p:cNvPicPr>
+          <p:nvPr/>
+        </p:nvPicPr>
+        <p:blipFill>
+          <a:blip r:embed="rId3">
+            <a:extLst>
+              <a:ext uri="{28A0092B-C50C-407E-A947-70E740481C1C}">
+                <a14:useLocalDpi xmlns:a14="http://schemas.microsoft.com/office/drawing/2010/main" val="0"/>
+              </a:ext>
+            </a:extLst>
+          </a:blip>
+          <a:srcRect/>
+          <a:stretch>
+            <a:fillRect/>
+          </a:stretch>
+        </p:blipFill>
+        <p:spPr bwMode="auto">
+          <a:xfrm>
+            <a:off x="1811216" y="4137936"/>
+            <a:ext cx="2206104" cy="2408189"/>
+          </a:xfrm>
+          <a:prstGeom prst="rect">
+            <a:avLst/>
+          </a:prstGeom>
+          <a:noFill/>
+          <a:ln>
+            <a:noFill/>
+          </a:ln>
+          <a:effectLst/>
+          <a:extLst>
+            <a:ext uri="{909E8E84-426E-40DD-AFC4-6F175D3DCCD1}">
+              <a14:hiddenFill xmlns:a14="http://schemas.microsoft.com/office/drawing/2010/main">
+                <a:solidFill>
+                  <a:schemeClr val="accent1"/>
+                </a:solidFill>
+              </a14:hiddenFill>
+            </a:ext>
+            <a:ext uri="{91240B29-F687-4F45-9708-019B960494DF}">
+              <a14:hiddenLine xmlns:a14="http://schemas.microsoft.com/office/drawing/2010/main" w="9525">
+                <a:solidFill>
+                  <a:schemeClr val="tx1"/>
+                </a:solidFill>
+                <a:miter lim="800000"/>
+                <a:headEnd/>
+                <a:tailEnd/>
+              </a14:hiddenLine>
+            </a:ext>
+            <a:ext uri="{AF507438-7753-43E0-B8FC-AC1667EBCBE1}">
+              <a14:hiddenEffects xmlns:a14="http://schemas.microsoft.com/office/drawing/2010/main">
+                <a:effectLst>
+                  <a:outerShdw dist="35921" dir="2700000" algn="ctr" rotWithShape="0">
+                    <a:schemeClr val="bg2"/>
+                  </a:outerShdw>
+                </a:effectLst>
+              </a14:hiddenEffects>
+            </a:ext>
+          </a:extLst>
+        </p:spPr>
+      </p:pic>
+      <p:pic>
+        <p:nvPicPr>
+          <p:cNvPr id="2053" name="Picture 5"/>
+          <p:cNvPicPr>
+            <a:picLocks noChangeAspect="1" noChangeArrowheads="1"/>
+          </p:cNvPicPr>
+          <p:nvPr/>
+        </p:nvPicPr>
+        <p:blipFill>
+          <a:blip r:embed="rId4">
+            <a:extLst>
+              <a:ext uri="{28A0092B-C50C-407E-A947-70E740481C1C}">
+                <a14:useLocalDpi xmlns:a14="http://schemas.microsoft.com/office/drawing/2010/main" val="0"/>
+              </a:ext>
+            </a:extLst>
+          </a:blip>
+          <a:srcRect/>
+          <a:stretch>
+            <a:fillRect/>
+          </a:stretch>
+        </p:blipFill>
+        <p:spPr bwMode="auto">
+          <a:xfrm>
+            <a:off x="5773983" y="334921"/>
+            <a:ext cx="5022338" cy="3047920"/>
+          </a:xfrm>
+          <a:prstGeom prst="rect">
+            <a:avLst/>
+          </a:prstGeom>
+          <a:noFill/>
+          <a:ln>
+            <a:noFill/>
+          </a:ln>
+          <a:effectLst/>
+          <a:extLst>
+            <a:ext uri="{909E8E84-426E-40DD-AFC4-6F175D3DCCD1}">
+              <a14:hiddenFill xmlns:a14="http://schemas.microsoft.com/office/drawing/2010/main">
+                <a:solidFill>
+                  <a:schemeClr val="accent1"/>
+                </a:solidFill>
+              </a14:hiddenFill>
+            </a:ext>
+            <a:ext uri="{91240B29-F687-4F45-9708-019B960494DF}">
+              <a14:hiddenLine xmlns:a14="http://schemas.microsoft.com/office/drawing/2010/main" w="9525">
+                <a:solidFill>
+                  <a:schemeClr val="tx1"/>
+                </a:solidFill>
+                <a:miter lim="800000"/>
+                <a:headEnd/>
+                <a:tailEnd/>
+              </a14:hiddenLine>
+            </a:ext>
+            <a:ext uri="{AF507438-7753-43E0-B8FC-AC1667EBCBE1}">
+              <a14:hiddenEffects xmlns:a14="http://schemas.microsoft.com/office/drawing/2010/main">
+                <a:effectLst>
+                  <a:outerShdw dist="35921" dir="2700000" algn="ctr" rotWithShape="0">
+                    <a:schemeClr val="bg2"/>
+                  </a:outerShdw>
+                </a:effectLst>
+              </a14:hiddenEffects>
+            </a:ext>
+          </a:extLst>
+        </p:spPr>
+      </p:pic>
+      <p:pic>
+        <p:nvPicPr>
+          <p:cNvPr id="2054" name="Picture 6"/>
+          <p:cNvPicPr>
+            <a:picLocks noChangeAspect="1" noChangeArrowheads="1"/>
+          </p:cNvPicPr>
+          <p:nvPr/>
+        </p:nvPicPr>
+        <p:blipFill>
+          <a:blip r:embed="rId5">
+            <a:extLst>
+              <a:ext uri="{28A0092B-C50C-407E-A947-70E740481C1C}">
+                <a14:useLocalDpi xmlns:a14="http://schemas.microsoft.com/office/drawing/2010/main" val="0"/>
+              </a:ext>
+            </a:extLst>
+          </a:blip>
+          <a:srcRect/>
+          <a:stretch>
+            <a:fillRect/>
+          </a:stretch>
+        </p:blipFill>
+        <p:spPr bwMode="auto">
+          <a:xfrm>
+            <a:off x="5138191" y="4232841"/>
+            <a:ext cx="2115463" cy="2218378"/>
+          </a:xfrm>
+          <a:prstGeom prst="rect">
+            <a:avLst/>
+          </a:prstGeom>
+          <a:noFill/>
+          <a:ln>
+            <a:noFill/>
+          </a:ln>
+          <a:extLst>
+            <a:ext uri="{909E8E84-426E-40DD-AFC4-6F175D3DCCD1}">
+              <a14:hiddenFill xmlns:a14="http://schemas.microsoft.com/office/drawing/2010/main">
+                <a:solidFill>
+                  <a:schemeClr val="accent1"/>
+                </a:solidFill>
+              </a14:hiddenFill>
+            </a:ext>
+            <a:ext uri="{91240B29-F687-4F45-9708-019B960494DF}">
+              <a14:hiddenLine xmlns:a14="http://schemas.microsoft.com/office/drawing/2010/main" w="9525">
+                <a:solidFill>
+                  <a:schemeClr val="tx1"/>
+                </a:solidFill>
+                <a:miter lim="800000"/>
+                <a:headEnd/>
+                <a:tailEnd/>
+              </a14:hiddenLine>
+            </a:ext>
+          </a:extLst>
+        </p:spPr>
+      </p:pic>
+      <p:pic>
+        <p:nvPicPr>
+          <p:cNvPr id="2055" name="Picture 7"/>
+          <p:cNvPicPr>
+            <a:picLocks noChangeAspect="1" noChangeArrowheads="1"/>
+          </p:cNvPicPr>
+          <p:nvPr/>
+        </p:nvPicPr>
+        <p:blipFill>
+          <a:blip r:embed="rId6">
+            <a:extLst>
+              <a:ext uri="{28A0092B-C50C-407E-A947-70E740481C1C}">
+                <a14:useLocalDpi xmlns:a14="http://schemas.microsoft.com/office/drawing/2010/main" val="0"/>
+              </a:ext>
+            </a:extLst>
+          </a:blip>
+          <a:srcRect/>
+          <a:stretch>
+            <a:fillRect/>
+          </a:stretch>
+        </p:blipFill>
+        <p:spPr bwMode="auto">
+          <a:xfrm>
+            <a:off x="8110540" y="3795036"/>
+            <a:ext cx="3197687" cy="2831490"/>
+          </a:xfrm>
+          <a:prstGeom prst="rect">
+            <a:avLst/>
+          </a:prstGeom>
+          <a:noFill/>
+          <a:ln>
+            <a:noFill/>
+          </a:ln>
+          <a:extLst>
+            <a:ext uri="{909E8E84-426E-40DD-AFC4-6F175D3DCCD1}">
+              <a14:hiddenFill xmlns:a14="http://schemas.microsoft.com/office/drawing/2010/main">
+                <a:solidFill>
+                  <a:schemeClr val="accent1"/>
+                </a:solidFill>
+              </a14:hiddenFill>
+            </a:ext>
+            <a:ext uri="{91240B29-F687-4F45-9708-019B960494DF}">
+              <a14:hiddenLine xmlns:a14="http://schemas.microsoft.com/office/drawing/2010/main" w="9525">
+                <a:solidFill>
+                  <a:schemeClr val="tx1"/>
+                </a:solidFill>
+                <a:miter lim="800000"/>
+                <a:headEnd/>
+                <a:tailEnd/>
+              </a14:hiddenLine>
+            </a:ext>
+          </a:extLst>
+        </p:spPr>
+      </p:pic>
+      <p:cxnSp>
+        <p:nvCxnSpPr>
+          <p:cNvPr id="35" name="직선 화살표 연결선 34"/>
+          <p:cNvCxnSpPr/>
+          <p:nvPr/>
+        </p:nvCxnSpPr>
+        <p:spPr>
+          <a:xfrm flipH="1" flipV="1">
+            <a:off x="7253654" y="5556738"/>
+            <a:ext cx="2242038" cy="378070"/>
+          </a:xfrm>
+          <a:prstGeom prst="straightConnector1">
+            <a:avLst/>
+          </a:prstGeom>
+          <a:ln>
+            <a:tailEnd type="arrow"/>
+          </a:ln>
+        </p:spPr>
+        <p:style>
+          <a:lnRef idx="1">
+            <a:schemeClr val="accent1"/>
+          </a:lnRef>
+          <a:fillRef idx="0">
+            <a:schemeClr val="accent1"/>
+          </a:fillRef>
+          <a:effectRef idx="0">
+            <a:schemeClr val="accent1"/>
+          </a:effectRef>
+          <a:fontRef idx="minor">
+            <a:schemeClr val="tx1"/>
+          </a:fontRef>
+        </p:style>
+      </p:cxnSp>
+    </p:spTree>
+    <p:extLst>
+      <p:ext uri="{BB962C8B-B14F-4D97-AF65-F5344CB8AC3E}">
+        <p14:creationId xmlns:p14="http://schemas.microsoft.com/office/powerpoint/2010/main" val="3698795559"/>
+      </p:ext>
+    </p:extLst>
+  </p:cSld>
+  <p:clrMapOvr>
+    <a:masterClrMapping/>
+  </p:clrMapOvr>
+</p:sld>
+</file>
+
+<file path=ppt/slides/slide11.xml><?xml version="1.0" encoding="utf-8"?>
+<p:sld xmlns:a="http://schemas.openxmlformats.org/drawingml/2006/main" xmlns:r="http://schemas.openxmlformats.org/officeDocument/2006/relationships" xmlns:p="http://schemas.openxmlformats.org/presentationml/2006/main">
+  <p:cSld>
+    <p:spTree>
+      <p:nvGrpSpPr>
+        <p:cNvPr id="1" name=""/>
+        <p:cNvGrpSpPr/>
+        <p:nvPr/>
+      </p:nvGrpSpPr>
+      <p:grpSpPr>
+        <a:xfrm>
+          <a:off x="0" y="0"/>
+          <a:ext cx="0" cy="0"/>
+          <a:chOff x="0" y="0"/>
+          <a:chExt cx="0" cy="0"/>
+        </a:xfrm>
+      </p:grpSpPr>
+      <p:sp>
+        <p:nvSpPr>
+          <p:cNvPr id="4" name="직사각형 3">
+            <a:extLst>
+              <a:ext uri="{FF2B5EF4-FFF2-40B4-BE49-F238E27FC236}">
+                <a16:creationId xmlns:a16="http://schemas.microsoft.com/office/drawing/2014/main" xmlns="" id="{19BED65B-A412-466B-9600-749BC0989612}"/>
+              </a:ext>
+            </a:extLst>
+          </p:cNvPr>
+          <p:cNvSpPr/>
+          <p:nvPr/>
+        </p:nvSpPr>
+        <p:spPr>
+          <a:xfrm>
+            <a:off x="0" y="0"/>
+            <a:ext cx="12192000" cy="6858000"/>
+          </a:xfrm>
+          <a:prstGeom prst="rect">
+            <a:avLst/>
+          </a:prstGeom>
+          <a:solidFill>
+            <a:schemeClr val="accent5">
+              <a:lumMod val="40000"/>
+              <a:lumOff val="60000"/>
+            </a:schemeClr>
+          </a:solidFill>
+          <a:ln>
+            <a:noFill/>
+          </a:ln>
+        </p:spPr>
+        <p:style>
+          <a:lnRef idx="2">
+            <a:schemeClr val="accent1">
+              <a:shade val="50000"/>
+            </a:schemeClr>
+          </a:lnRef>
+          <a:fillRef idx="1">
+            <a:schemeClr val="accent1"/>
+          </a:fillRef>
+          <a:effectRef idx="0">
+            <a:schemeClr val="accent1"/>
+          </a:effectRef>
+          <a:fontRef idx="minor">
+            <a:schemeClr val="lt1"/>
+          </a:fontRef>
+        </p:style>
+        <p:txBody>
+          <a:bodyPr rtlCol="0" anchor="ctr"/>
+          <a:lstStyle/>
+          <a:p>
+            <a:pPr algn="ctr"/>
+            <a:endParaRPr lang="ko-KR" altLang="en-US"/>
+          </a:p>
+        </p:txBody>
+      </p:sp>
+      <p:sp>
+        <p:nvSpPr>
+          <p:cNvPr id="6" name="직사각형 5">
+            <a:extLst>
+              <a:ext uri="{FF2B5EF4-FFF2-40B4-BE49-F238E27FC236}">
+                <a16:creationId xmlns:a16="http://schemas.microsoft.com/office/drawing/2014/main" xmlns="" id="{69EF6A59-F4E8-41F2-94CB-0ABC9CEE6750}"/>
+              </a:ext>
+            </a:extLst>
+          </p:cNvPr>
+          <p:cNvSpPr/>
+          <p:nvPr/>
+        </p:nvSpPr>
+        <p:spPr>
+          <a:xfrm>
+            <a:off x="1845579" y="731940"/>
+            <a:ext cx="8825218" cy="5308134"/>
+          </a:xfrm>
+          <a:prstGeom prst="rect">
+            <a:avLst/>
+          </a:prstGeom>
+          <a:solidFill>
+            <a:schemeClr val="tx1">
+              <a:lumMod val="85000"/>
+              <a:lumOff val="15000"/>
+            </a:schemeClr>
+          </a:solidFill>
+          <a:ln>
+            <a:noFill/>
+          </a:ln>
+        </p:spPr>
+        <p:style>
+          <a:lnRef idx="2">
+            <a:schemeClr val="accent1">
+              <a:shade val="50000"/>
+            </a:schemeClr>
+          </a:lnRef>
+          <a:fillRef idx="1">
+            <a:schemeClr val="accent1"/>
+          </a:fillRef>
+          <a:effectRef idx="0">
+            <a:schemeClr val="accent1"/>
+          </a:effectRef>
+          <a:fontRef idx="minor">
+            <a:schemeClr val="lt1"/>
+          </a:fontRef>
+        </p:style>
+        <p:txBody>
+          <a:bodyPr rtlCol="0" anchor="ctr"/>
+          <a:lstStyle/>
+          <a:p>
+            <a:pPr algn="ctr"/>
+            <a:endParaRPr lang="ko-KR" altLang="en-US" dirty="0"/>
+          </a:p>
+        </p:txBody>
+      </p:sp>
+      <p:sp>
+        <p:nvSpPr>
+          <p:cNvPr id="9" name="직사각형 8">
+            <a:extLst>
+              <a:ext uri="{FF2B5EF4-FFF2-40B4-BE49-F238E27FC236}">
+                <a16:creationId xmlns:a16="http://schemas.microsoft.com/office/drawing/2014/main" xmlns="" id="{F2E431BC-B426-4042-9FE2-4F17D75F239F}"/>
+              </a:ext>
+            </a:extLst>
+          </p:cNvPr>
+          <p:cNvSpPr/>
+          <p:nvPr/>
+        </p:nvSpPr>
+        <p:spPr>
+          <a:xfrm>
+            <a:off x="1566645" y="490057"/>
+            <a:ext cx="9058711" cy="5394121"/>
+          </a:xfrm>
+          <a:prstGeom prst="rect">
+            <a:avLst/>
+          </a:prstGeom>
+          <a:solidFill>
+            <a:schemeClr val="bg1"/>
+          </a:solidFill>
+          <a:ln>
+            <a:solidFill>
+              <a:schemeClr val="tx1">
+                <a:lumMod val="65000"/>
+                <a:lumOff val="35000"/>
+              </a:schemeClr>
+            </a:solidFill>
+          </a:ln>
+        </p:spPr>
+        <p:style>
+          <a:lnRef idx="2">
+            <a:schemeClr val="accent1">
+              <a:shade val="50000"/>
+            </a:schemeClr>
+          </a:lnRef>
+          <a:fillRef idx="1">
+            <a:schemeClr val="accent1"/>
+          </a:fillRef>
+          <a:effectRef idx="0">
+            <a:schemeClr val="accent1"/>
+          </a:effectRef>
+          <a:fontRef idx="minor">
+            <a:schemeClr val="lt1"/>
+          </a:fontRef>
+        </p:style>
+        <p:txBody>
+          <a:bodyPr rtlCol="0" anchor="ctr"/>
+          <a:lstStyle/>
+          <a:p>
+            <a:pPr algn="ctr"/>
+            <a:r>
+              <a:rPr lang="en-US" altLang="ko-KR" sz="5400" dirty="0">
+                <a:solidFill>
+                  <a:schemeClr val="tx1"/>
+                </a:solidFill>
+                <a:latin typeface="타이포_쌍문동 B" panose="02020803020101020101" pitchFamily="18" charset="-127"/>
+                <a:ea typeface="타이포_쌍문동 B" panose="02020803020101020101" pitchFamily="18" charset="-127"/>
+              </a:rPr>
+              <a:t>Thank you.</a:t>
+            </a:r>
+          </a:p>
+        </p:txBody>
+      </p:sp>
+    </p:spTree>
+    <p:extLst>
+      <p:ext uri="{BB962C8B-B14F-4D97-AF65-F5344CB8AC3E}">
+        <p14:creationId xmlns:p14="http://schemas.microsoft.com/office/powerpoint/2010/main" val="3597966351"/>
       </p:ext>
     </p:extLst>
   </p:cSld>
@@ -3573,7 +4404,7 @@
           <p:cNvPr id="9" name="직사각형 8">
             <a:extLst>
               <a:ext uri="{FF2B5EF4-FFF2-40B4-BE49-F238E27FC236}">
-                <a16:creationId xmlns="" xmlns:a16="http://schemas.microsoft.com/office/drawing/2014/main" id="{9C823E93-ADC2-4C24-A4A2-2A0BA5939B57}"/>
+                <a16:creationId xmlns:a16="http://schemas.microsoft.com/office/drawing/2014/main" xmlns="" id="{9C823E93-ADC2-4C24-A4A2-2A0BA5939B57}"/>
               </a:ext>
             </a:extLst>
           </p:cNvPr>
@@ -3628,7 +4459,7 @@
           <p:cNvPr id="7" name="TextBox 6">
             <a:extLst>
               <a:ext uri="{FF2B5EF4-FFF2-40B4-BE49-F238E27FC236}">
-                <a16:creationId xmlns="" xmlns:a16="http://schemas.microsoft.com/office/drawing/2014/main" id="{9C6324AD-80D7-4F18-AEE8-F280B72B802D}"/>
+                <a16:creationId xmlns:a16="http://schemas.microsoft.com/office/drawing/2014/main" xmlns="" id="{9C6324AD-80D7-4F18-AEE8-F280B72B802D}"/>
               </a:ext>
             </a:extLst>
           </p:cNvPr>
@@ -3675,7 +4506,7 @@
           <p:cNvPr id="10" name="직사각형 9">
             <a:extLst>
               <a:ext uri="{FF2B5EF4-FFF2-40B4-BE49-F238E27FC236}">
-                <a16:creationId xmlns="" xmlns:a16="http://schemas.microsoft.com/office/drawing/2014/main" id="{E619D123-4B5C-46B2-A5EB-1C0F6F759A6A}"/>
+                <a16:creationId xmlns:a16="http://schemas.microsoft.com/office/drawing/2014/main" xmlns="" id="{E619D123-4B5C-46B2-A5EB-1C0F6F759A6A}"/>
               </a:ext>
             </a:extLst>
           </p:cNvPr>
@@ -3730,7 +4561,7 @@
           <p:cNvPr id="5" name="직사각형 4">
             <a:extLst>
               <a:ext uri="{FF2B5EF4-FFF2-40B4-BE49-F238E27FC236}">
-                <a16:creationId xmlns="" xmlns:a16="http://schemas.microsoft.com/office/drawing/2014/main" id="{184C5962-E571-472F-946D-0AC085CA3A97}"/>
+                <a16:creationId xmlns:a16="http://schemas.microsoft.com/office/drawing/2014/main" xmlns="" id="{184C5962-E571-472F-946D-0AC085CA3A97}"/>
               </a:ext>
             </a:extLst>
           </p:cNvPr>
@@ -3785,7 +4616,7 @@
           <p:cNvPr id="6" name="직사각형 5">
             <a:extLst>
               <a:ext uri="{FF2B5EF4-FFF2-40B4-BE49-F238E27FC236}">
-                <a16:creationId xmlns="" xmlns:a16="http://schemas.microsoft.com/office/drawing/2014/main" id="{2794571E-110D-4DF1-A367-8499B83EDFD2}"/>
+                <a16:creationId xmlns:a16="http://schemas.microsoft.com/office/drawing/2014/main" xmlns="" id="{2794571E-110D-4DF1-A367-8499B83EDFD2}"/>
               </a:ext>
             </a:extLst>
           </p:cNvPr>
@@ -3855,7 +4686,7 @@
           <p:cNvPr id="11" name="TextBox 10">
             <a:extLst>
               <a:ext uri="{FF2B5EF4-FFF2-40B4-BE49-F238E27FC236}">
-                <a16:creationId xmlns="" xmlns:a16="http://schemas.microsoft.com/office/drawing/2014/main" id="{C9B78363-2625-4875-8DD1-467E800DA079}"/>
+                <a16:creationId xmlns:a16="http://schemas.microsoft.com/office/drawing/2014/main" xmlns="" id="{C9B78363-2625-4875-8DD1-467E800DA079}"/>
               </a:ext>
             </a:extLst>
           </p:cNvPr>
@@ -4005,7 +4836,7 @@
           <p:cNvPr id="9" name="직사각형 8">
             <a:extLst>
               <a:ext uri="{FF2B5EF4-FFF2-40B4-BE49-F238E27FC236}">
-                <a16:creationId xmlns="" xmlns:a16="http://schemas.microsoft.com/office/drawing/2014/main" id="{9C823E93-ADC2-4C24-A4A2-2A0BA5939B57}"/>
+                <a16:creationId xmlns:a16="http://schemas.microsoft.com/office/drawing/2014/main" xmlns="" id="{9C823E93-ADC2-4C24-A4A2-2A0BA5939B57}"/>
               </a:ext>
             </a:extLst>
           </p:cNvPr>
@@ -4060,7 +4891,7 @@
           <p:cNvPr id="7" name="TextBox 6">
             <a:extLst>
               <a:ext uri="{FF2B5EF4-FFF2-40B4-BE49-F238E27FC236}">
-                <a16:creationId xmlns="" xmlns:a16="http://schemas.microsoft.com/office/drawing/2014/main" id="{9C6324AD-80D7-4F18-AEE8-F280B72B802D}"/>
+                <a16:creationId xmlns:a16="http://schemas.microsoft.com/office/drawing/2014/main" xmlns="" id="{9C6324AD-80D7-4F18-AEE8-F280B72B802D}"/>
               </a:ext>
             </a:extLst>
           </p:cNvPr>
@@ -4107,7 +4938,7 @@
           <p:cNvPr id="10" name="직사각형 9">
             <a:extLst>
               <a:ext uri="{FF2B5EF4-FFF2-40B4-BE49-F238E27FC236}">
-                <a16:creationId xmlns="" xmlns:a16="http://schemas.microsoft.com/office/drawing/2014/main" id="{E619D123-4B5C-46B2-A5EB-1C0F6F759A6A}"/>
+                <a16:creationId xmlns:a16="http://schemas.microsoft.com/office/drawing/2014/main" xmlns="" id="{E619D123-4B5C-46B2-A5EB-1C0F6F759A6A}"/>
               </a:ext>
             </a:extLst>
           </p:cNvPr>
@@ -4162,7 +4993,7 @@
           <p:cNvPr id="3" name="그룹 2">
             <a:extLst>
               <a:ext uri="{FF2B5EF4-FFF2-40B4-BE49-F238E27FC236}">
-                <a16:creationId xmlns="" xmlns:a16="http://schemas.microsoft.com/office/drawing/2014/main" id="{6A62320E-101D-4497-98D6-C26D74F230B3}"/>
+                <a16:creationId xmlns:a16="http://schemas.microsoft.com/office/drawing/2014/main" xmlns="" id="{6A62320E-101D-4497-98D6-C26D74F230B3}"/>
               </a:ext>
             </a:extLst>
           </p:cNvPr>
@@ -4182,7 +5013,7 @@
             <p:cNvPr id="2" name="그룹 1">
               <a:extLst>
                 <a:ext uri="{FF2B5EF4-FFF2-40B4-BE49-F238E27FC236}">
-                  <a16:creationId xmlns="" xmlns:a16="http://schemas.microsoft.com/office/drawing/2014/main" id="{3D9A404D-7AC4-4873-848B-7AE62457B969}"/>
+                  <a16:creationId xmlns:a16="http://schemas.microsoft.com/office/drawing/2014/main" xmlns="" id="{3D9A404D-7AC4-4873-848B-7AE62457B969}"/>
                 </a:ext>
               </a:extLst>
             </p:cNvPr>
@@ -4202,7 +5033,7 @@
               <p:cNvPr id="8" name="타원 7">
                 <a:extLst>
                   <a:ext uri="{FF2B5EF4-FFF2-40B4-BE49-F238E27FC236}">
-                    <a16:creationId xmlns="" xmlns:a16="http://schemas.microsoft.com/office/drawing/2014/main" id="{F74F6E47-6177-424E-9332-D7292F69CA0C}"/>
+                    <a16:creationId xmlns:a16="http://schemas.microsoft.com/office/drawing/2014/main" xmlns="" id="{F74F6E47-6177-424E-9332-D7292F69CA0C}"/>
                   </a:ext>
                 </a:extLst>
               </p:cNvPr>
@@ -4263,7 +5094,7 @@
               <p:cNvPr id="12" name="타원 11">
                 <a:extLst>
                   <a:ext uri="{FF2B5EF4-FFF2-40B4-BE49-F238E27FC236}">
-                    <a16:creationId xmlns="" xmlns:a16="http://schemas.microsoft.com/office/drawing/2014/main" id="{8B3ADF1F-F32E-4CC9-AD32-0CECC6A65D31}"/>
+                    <a16:creationId xmlns:a16="http://schemas.microsoft.com/office/drawing/2014/main" xmlns="" id="{8B3ADF1F-F32E-4CC9-AD32-0CECC6A65D31}"/>
                   </a:ext>
                 </a:extLst>
               </p:cNvPr>
@@ -4324,7 +5155,7 @@
               <p:cNvPr id="13" name="화살표: 오른쪽 12">
                 <a:extLst>
                   <a:ext uri="{FF2B5EF4-FFF2-40B4-BE49-F238E27FC236}">
-                    <a16:creationId xmlns="" xmlns:a16="http://schemas.microsoft.com/office/drawing/2014/main" id="{DF75586F-2414-4BEC-AC06-EFEFACFD369D}"/>
+                    <a16:creationId xmlns:a16="http://schemas.microsoft.com/office/drawing/2014/main" xmlns="" id="{DF75586F-2414-4BEC-AC06-EFEFACFD369D}"/>
                   </a:ext>
                 </a:extLst>
               </p:cNvPr>
@@ -4380,7 +5211,7 @@
             <p:cNvPr id="14" name="TextBox 13">
               <a:extLst>
                 <a:ext uri="{FF2B5EF4-FFF2-40B4-BE49-F238E27FC236}">
-                  <a16:creationId xmlns="" xmlns:a16="http://schemas.microsoft.com/office/drawing/2014/main" id="{C40C054D-9F95-4F26-8D92-E665708F3184}"/>
+                  <a16:creationId xmlns:a16="http://schemas.microsoft.com/office/drawing/2014/main" xmlns="" id="{C40C054D-9F95-4F26-8D92-E665708F3184}"/>
                 </a:ext>
               </a:extLst>
             </p:cNvPr>
@@ -4424,7 +5255,7 @@
           <p:cNvPr id="15" name="직사각형 14">
             <a:extLst>
               <a:ext uri="{FF2B5EF4-FFF2-40B4-BE49-F238E27FC236}">
-                <a16:creationId xmlns="" xmlns:a16="http://schemas.microsoft.com/office/drawing/2014/main" id="{8C322064-5317-4010-82EF-E4AC9B96EB6E}"/>
+                <a16:creationId xmlns:a16="http://schemas.microsoft.com/office/drawing/2014/main" xmlns="" id="{8C322064-5317-4010-82EF-E4AC9B96EB6E}"/>
               </a:ext>
             </a:extLst>
           </p:cNvPr>
@@ -4479,7 +5310,7 @@
           <p:cNvPr id="16" name="직사각형 15">
             <a:extLst>
               <a:ext uri="{FF2B5EF4-FFF2-40B4-BE49-F238E27FC236}">
-                <a16:creationId xmlns="" xmlns:a16="http://schemas.microsoft.com/office/drawing/2014/main" id="{72C5182B-B65C-401D-ABF6-0C2156614FA1}"/>
+                <a16:creationId xmlns:a16="http://schemas.microsoft.com/office/drawing/2014/main" xmlns="" id="{72C5182B-B65C-401D-ABF6-0C2156614FA1}"/>
               </a:ext>
             </a:extLst>
           </p:cNvPr>
@@ -4589,7 +5420,7 @@
           <p:cNvPr id="9" name="직사각형 8">
             <a:extLst>
               <a:ext uri="{FF2B5EF4-FFF2-40B4-BE49-F238E27FC236}">
-                <a16:creationId xmlns="" xmlns:a16="http://schemas.microsoft.com/office/drawing/2014/main" id="{9C823E93-ADC2-4C24-A4A2-2A0BA5939B57}"/>
+                <a16:creationId xmlns:a16="http://schemas.microsoft.com/office/drawing/2014/main" xmlns="" id="{9C823E93-ADC2-4C24-A4A2-2A0BA5939B57}"/>
               </a:ext>
             </a:extLst>
           </p:cNvPr>
@@ -4644,7 +5475,7 @@
           <p:cNvPr id="7" name="TextBox 6">
             <a:extLst>
               <a:ext uri="{FF2B5EF4-FFF2-40B4-BE49-F238E27FC236}">
-                <a16:creationId xmlns="" xmlns:a16="http://schemas.microsoft.com/office/drawing/2014/main" id="{9C6324AD-80D7-4F18-AEE8-F280B72B802D}"/>
+                <a16:creationId xmlns:a16="http://schemas.microsoft.com/office/drawing/2014/main" xmlns="" id="{9C6324AD-80D7-4F18-AEE8-F280B72B802D}"/>
               </a:ext>
             </a:extLst>
           </p:cNvPr>
@@ -4691,7 +5522,7 @@
           <p:cNvPr id="10" name="직사각형 9">
             <a:extLst>
               <a:ext uri="{FF2B5EF4-FFF2-40B4-BE49-F238E27FC236}">
-                <a16:creationId xmlns="" xmlns:a16="http://schemas.microsoft.com/office/drawing/2014/main" id="{E619D123-4B5C-46B2-A5EB-1C0F6F759A6A}"/>
+                <a16:creationId xmlns:a16="http://schemas.microsoft.com/office/drawing/2014/main" xmlns="" id="{E619D123-4B5C-46B2-A5EB-1C0F6F759A6A}"/>
               </a:ext>
             </a:extLst>
           </p:cNvPr>
@@ -4746,7 +5577,7 @@
           <p:cNvPr id="15" name="직사각형 14">
             <a:extLst>
               <a:ext uri="{FF2B5EF4-FFF2-40B4-BE49-F238E27FC236}">
-                <a16:creationId xmlns="" xmlns:a16="http://schemas.microsoft.com/office/drawing/2014/main" id="{8C322064-5317-4010-82EF-E4AC9B96EB6E}"/>
+                <a16:creationId xmlns:a16="http://schemas.microsoft.com/office/drawing/2014/main" xmlns="" id="{8C322064-5317-4010-82EF-E4AC9B96EB6E}"/>
               </a:ext>
             </a:extLst>
           </p:cNvPr>
@@ -4801,7 +5632,7 @@
           <p:cNvPr id="16" name="직사각형 15">
             <a:extLst>
               <a:ext uri="{FF2B5EF4-FFF2-40B4-BE49-F238E27FC236}">
-                <a16:creationId xmlns="" xmlns:a16="http://schemas.microsoft.com/office/drawing/2014/main" id="{72C5182B-B65C-401D-ABF6-0C2156614FA1}"/>
+                <a16:creationId xmlns:a16="http://schemas.microsoft.com/office/drawing/2014/main" xmlns="" id="{72C5182B-B65C-401D-ABF6-0C2156614FA1}"/>
               </a:ext>
             </a:extLst>
           </p:cNvPr>
@@ -4881,7 +5712,7 @@
           <p:cNvPr id="11" name="TextBox 10">
             <a:extLst>
               <a:ext uri="{FF2B5EF4-FFF2-40B4-BE49-F238E27FC236}">
-                <a16:creationId xmlns="" xmlns:a16="http://schemas.microsoft.com/office/drawing/2014/main" id="{53C60A1A-ACA7-47B6-A0D4-B2B9B7F4D0D0}"/>
+                <a16:creationId xmlns:a16="http://schemas.microsoft.com/office/drawing/2014/main" xmlns="" id="{53C60A1A-ACA7-47B6-A0D4-B2B9B7F4D0D0}"/>
               </a:ext>
             </a:extLst>
           </p:cNvPr>
@@ -5089,7 +5920,7 @@
           <p:cNvPr id="9" name="직사각형 8">
             <a:extLst>
               <a:ext uri="{FF2B5EF4-FFF2-40B4-BE49-F238E27FC236}">
-                <a16:creationId xmlns="" xmlns:a16="http://schemas.microsoft.com/office/drawing/2014/main" id="{9C823E93-ADC2-4C24-A4A2-2A0BA5939B57}"/>
+                <a16:creationId xmlns:a16="http://schemas.microsoft.com/office/drawing/2014/main" xmlns="" id="{9C823E93-ADC2-4C24-A4A2-2A0BA5939B57}"/>
               </a:ext>
             </a:extLst>
           </p:cNvPr>
@@ -5144,7 +5975,7 @@
           <p:cNvPr id="7" name="TextBox 6">
             <a:extLst>
               <a:ext uri="{FF2B5EF4-FFF2-40B4-BE49-F238E27FC236}">
-                <a16:creationId xmlns="" xmlns:a16="http://schemas.microsoft.com/office/drawing/2014/main" id="{9C6324AD-80D7-4F18-AEE8-F280B72B802D}"/>
+                <a16:creationId xmlns:a16="http://schemas.microsoft.com/office/drawing/2014/main" xmlns="" id="{9C6324AD-80D7-4F18-AEE8-F280B72B802D}"/>
               </a:ext>
             </a:extLst>
           </p:cNvPr>
@@ -5191,7 +6022,7 @@
           <p:cNvPr id="10" name="직사각형 9">
             <a:extLst>
               <a:ext uri="{FF2B5EF4-FFF2-40B4-BE49-F238E27FC236}">
-                <a16:creationId xmlns="" xmlns:a16="http://schemas.microsoft.com/office/drawing/2014/main" id="{E619D123-4B5C-46B2-A5EB-1C0F6F759A6A}"/>
+                <a16:creationId xmlns:a16="http://schemas.microsoft.com/office/drawing/2014/main" xmlns="" id="{E619D123-4B5C-46B2-A5EB-1C0F6F759A6A}"/>
               </a:ext>
             </a:extLst>
           </p:cNvPr>
@@ -5246,7 +6077,7 @@
           <p:cNvPr id="15" name="직사각형 14">
             <a:extLst>
               <a:ext uri="{FF2B5EF4-FFF2-40B4-BE49-F238E27FC236}">
-                <a16:creationId xmlns="" xmlns:a16="http://schemas.microsoft.com/office/drawing/2014/main" id="{8C322064-5317-4010-82EF-E4AC9B96EB6E}"/>
+                <a16:creationId xmlns:a16="http://schemas.microsoft.com/office/drawing/2014/main" xmlns="" id="{8C322064-5317-4010-82EF-E4AC9B96EB6E}"/>
               </a:ext>
             </a:extLst>
           </p:cNvPr>
@@ -5301,7 +6132,7 @@
           <p:cNvPr id="16" name="직사각형 15">
             <a:extLst>
               <a:ext uri="{FF2B5EF4-FFF2-40B4-BE49-F238E27FC236}">
-                <a16:creationId xmlns="" xmlns:a16="http://schemas.microsoft.com/office/drawing/2014/main" id="{72C5182B-B65C-401D-ABF6-0C2156614FA1}"/>
+                <a16:creationId xmlns:a16="http://schemas.microsoft.com/office/drawing/2014/main" xmlns="" id="{72C5182B-B65C-401D-ABF6-0C2156614FA1}"/>
               </a:ext>
             </a:extLst>
           </p:cNvPr>
@@ -5391,7 +6222,7 @@
           <p:cNvPr id="17" name="직사각형 16">
             <a:extLst>
               <a:ext uri="{FF2B5EF4-FFF2-40B4-BE49-F238E27FC236}">
-                <a16:creationId xmlns="" xmlns:a16="http://schemas.microsoft.com/office/drawing/2014/main" id="{87811F05-5708-4730-BCF7-57DEBB2047C9}"/>
+                <a16:creationId xmlns:a16="http://schemas.microsoft.com/office/drawing/2014/main" xmlns="" id="{87811F05-5708-4730-BCF7-57DEBB2047C9}"/>
               </a:ext>
             </a:extLst>
           </p:cNvPr>
@@ -5449,7 +6280,7 @@
           <p:cNvPr id="18" name="직사각형 17">
             <a:extLst>
               <a:ext uri="{FF2B5EF4-FFF2-40B4-BE49-F238E27FC236}">
-                <a16:creationId xmlns="" xmlns:a16="http://schemas.microsoft.com/office/drawing/2014/main" id="{5D0750B5-280C-4260-BA3F-A44089BB5E72}"/>
+                <a16:creationId xmlns:a16="http://schemas.microsoft.com/office/drawing/2014/main" xmlns="" id="{5D0750B5-280C-4260-BA3F-A44089BB5E72}"/>
               </a:ext>
             </a:extLst>
           </p:cNvPr>
@@ -7617,7 +8448,7 @@
           <p:cNvPr id="9" name="직사각형 8">
             <a:extLst>
               <a:ext uri="{FF2B5EF4-FFF2-40B4-BE49-F238E27FC236}">
-                <a16:creationId xmlns="" xmlns:a16="http://schemas.microsoft.com/office/drawing/2014/main" id="{9C823E93-ADC2-4C24-A4A2-2A0BA5939B57}"/>
+                <a16:creationId xmlns:a16="http://schemas.microsoft.com/office/drawing/2014/main" xmlns="" id="{9C823E93-ADC2-4C24-A4A2-2A0BA5939B57}"/>
               </a:ext>
             </a:extLst>
           </p:cNvPr>
@@ -7672,7 +8503,7 @@
           <p:cNvPr id="7" name="TextBox 6">
             <a:extLst>
               <a:ext uri="{FF2B5EF4-FFF2-40B4-BE49-F238E27FC236}">
-                <a16:creationId xmlns="" xmlns:a16="http://schemas.microsoft.com/office/drawing/2014/main" id="{9C6324AD-80D7-4F18-AEE8-F280B72B802D}"/>
+                <a16:creationId xmlns:a16="http://schemas.microsoft.com/office/drawing/2014/main" xmlns="" id="{9C6324AD-80D7-4F18-AEE8-F280B72B802D}"/>
               </a:ext>
             </a:extLst>
           </p:cNvPr>
@@ -7719,7 +8550,7 @@
           <p:cNvPr id="10" name="직사각형 9">
             <a:extLst>
               <a:ext uri="{FF2B5EF4-FFF2-40B4-BE49-F238E27FC236}">
-                <a16:creationId xmlns="" xmlns:a16="http://schemas.microsoft.com/office/drawing/2014/main" id="{E619D123-4B5C-46B2-A5EB-1C0F6F759A6A}"/>
+                <a16:creationId xmlns:a16="http://schemas.microsoft.com/office/drawing/2014/main" xmlns="" id="{E619D123-4B5C-46B2-A5EB-1C0F6F759A6A}"/>
               </a:ext>
             </a:extLst>
           </p:cNvPr>
@@ -7774,7 +8605,7 @@
           <p:cNvPr id="15" name="직사각형 14">
             <a:extLst>
               <a:ext uri="{FF2B5EF4-FFF2-40B4-BE49-F238E27FC236}">
-                <a16:creationId xmlns="" xmlns:a16="http://schemas.microsoft.com/office/drawing/2014/main" id="{8C322064-5317-4010-82EF-E4AC9B96EB6E}"/>
+                <a16:creationId xmlns:a16="http://schemas.microsoft.com/office/drawing/2014/main" xmlns="" id="{8C322064-5317-4010-82EF-E4AC9B96EB6E}"/>
               </a:ext>
             </a:extLst>
           </p:cNvPr>
@@ -7829,7 +8660,7 @@
           <p:cNvPr id="16" name="직사각형 15">
             <a:extLst>
               <a:ext uri="{FF2B5EF4-FFF2-40B4-BE49-F238E27FC236}">
-                <a16:creationId xmlns="" xmlns:a16="http://schemas.microsoft.com/office/drawing/2014/main" id="{72C5182B-B65C-401D-ABF6-0C2156614FA1}"/>
+                <a16:creationId xmlns:a16="http://schemas.microsoft.com/office/drawing/2014/main" xmlns="" id="{72C5182B-B65C-401D-ABF6-0C2156614FA1}"/>
               </a:ext>
             </a:extLst>
           </p:cNvPr>
@@ -7919,7 +8750,7 @@
           <p:cNvPr id="6" name="그림 5">
             <a:extLst>
               <a:ext uri="{FF2B5EF4-FFF2-40B4-BE49-F238E27FC236}">
-                <a16:creationId xmlns="" xmlns:a16="http://schemas.microsoft.com/office/drawing/2014/main" id="{D1185DFE-5E48-463C-932E-9AB84F9B525D}"/>
+                <a16:creationId xmlns:a16="http://schemas.microsoft.com/office/drawing/2014/main" xmlns="" id="{D1185DFE-5E48-463C-932E-9AB84F9B525D}"/>
               </a:ext>
             </a:extLst>
           </p:cNvPr>
@@ -7949,7 +8780,7 @@
           <p:cNvPr id="12" name="그림 11">
             <a:extLst>
               <a:ext uri="{FF2B5EF4-FFF2-40B4-BE49-F238E27FC236}">
-                <a16:creationId xmlns="" xmlns:a16="http://schemas.microsoft.com/office/drawing/2014/main" id="{CAFE5166-5E5C-45AF-8715-B5E5B89AE472}"/>
+                <a16:creationId xmlns:a16="http://schemas.microsoft.com/office/drawing/2014/main" xmlns="" id="{CAFE5166-5E5C-45AF-8715-B5E5B89AE472}"/>
               </a:ext>
             </a:extLst>
           </p:cNvPr>
@@ -7979,7 +8810,7 @@
           <p:cNvPr id="14" name="그림 13">
             <a:extLst>
               <a:ext uri="{FF2B5EF4-FFF2-40B4-BE49-F238E27FC236}">
-                <a16:creationId xmlns="" xmlns:a16="http://schemas.microsoft.com/office/drawing/2014/main" id="{D1262BCF-EFB3-48F8-B127-556873478613}"/>
+                <a16:creationId xmlns:a16="http://schemas.microsoft.com/office/drawing/2014/main" xmlns="" id="{D1262BCF-EFB3-48F8-B127-556873478613}"/>
               </a:ext>
             </a:extLst>
           </p:cNvPr>
@@ -8009,7 +8840,7 @@
           <p:cNvPr id="17" name="직사각형 16">
             <a:extLst>
               <a:ext uri="{FF2B5EF4-FFF2-40B4-BE49-F238E27FC236}">
-                <a16:creationId xmlns="" xmlns:a16="http://schemas.microsoft.com/office/drawing/2014/main" id="{87811F05-5708-4730-BCF7-57DEBB2047C9}"/>
+                <a16:creationId xmlns:a16="http://schemas.microsoft.com/office/drawing/2014/main" xmlns="" id="{87811F05-5708-4730-BCF7-57DEBB2047C9}"/>
               </a:ext>
             </a:extLst>
           </p:cNvPr>
@@ -8067,7 +8898,7 @@
           <p:cNvPr id="18" name="직사각형 17">
             <a:extLst>
               <a:ext uri="{FF2B5EF4-FFF2-40B4-BE49-F238E27FC236}">
-                <a16:creationId xmlns="" xmlns:a16="http://schemas.microsoft.com/office/drawing/2014/main" id="{5D0750B5-280C-4260-BA3F-A44089BB5E72}"/>
+                <a16:creationId xmlns:a16="http://schemas.microsoft.com/office/drawing/2014/main" xmlns="" id="{5D0750B5-280C-4260-BA3F-A44089BB5E72}"/>
               </a:ext>
             </a:extLst>
           </p:cNvPr>
@@ -8155,7 +8986,7 @@
           <p:cNvPr id="9" name="직사각형 8">
             <a:extLst>
               <a:ext uri="{FF2B5EF4-FFF2-40B4-BE49-F238E27FC236}">
-                <a16:creationId xmlns="" xmlns:a16="http://schemas.microsoft.com/office/drawing/2014/main" id="{9C823E93-ADC2-4C24-A4A2-2A0BA5939B57}"/>
+                <a16:creationId xmlns:a16="http://schemas.microsoft.com/office/drawing/2014/main" xmlns="" id="{9C823E93-ADC2-4C24-A4A2-2A0BA5939B57}"/>
               </a:ext>
             </a:extLst>
           </p:cNvPr>
@@ -8210,7 +9041,7 @@
           <p:cNvPr id="7" name="TextBox 6">
             <a:extLst>
               <a:ext uri="{FF2B5EF4-FFF2-40B4-BE49-F238E27FC236}">
-                <a16:creationId xmlns="" xmlns:a16="http://schemas.microsoft.com/office/drawing/2014/main" id="{9C6324AD-80D7-4F18-AEE8-F280B72B802D}"/>
+                <a16:creationId xmlns:a16="http://schemas.microsoft.com/office/drawing/2014/main" xmlns="" id="{9C6324AD-80D7-4F18-AEE8-F280B72B802D}"/>
               </a:ext>
             </a:extLst>
           </p:cNvPr>
@@ -8257,7 +9088,7 @@
           <p:cNvPr id="10" name="직사각형 9">
             <a:extLst>
               <a:ext uri="{FF2B5EF4-FFF2-40B4-BE49-F238E27FC236}">
-                <a16:creationId xmlns="" xmlns:a16="http://schemas.microsoft.com/office/drawing/2014/main" id="{E619D123-4B5C-46B2-A5EB-1C0F6F759A6A}"/>
+                <a16:creationId xmlns:a16="http://schemas.microsoft.com/office/drawing/2014/main" xmlns="" id="{E619D123-4B5C-46B2-A5EB-1C0F6F759A6A}"/>
               </a:ext>
             </a:extLst>
           </p:cNvPr>
@@ -8312,7 +9143,7 @@
           <p:cNvPr id="15" name="직사각형 14">
             <a:extLst>
               <a:ext uri="{FF2B5EF4-FFF2-40B4-BE49-F238E27FC236}">
-                <a16:creationId xmlns="" xmlns:a16="http://schemas.microsoft.com/office/drawing/2014/main" id="{8C322064-5317-4010-82EF-E4AC9B96EB6E}"/>
+                <a16:creationId xmlns:a16="http://schemas.microsoft.com/office/drawing/2014/main" xmlns="" id="{8C322064-5317-4010-82EF-E4AC9B96EB6E}"/>
               </a:ext>
             </a:extLst>
           </p:cNvPr>
@@ -8367,7 +9198,7 @@
           <p:cNvPr id="16" name="직사각형 15">
             <a:extLst>
               <a:ext uri="{FF2B5EF4-FFF2-40B4-BE49-F238E27FC236}">
-                <a16:creationId xmlns="" xmlns:a16="http://schemas.microsoft.com/office/drawing/2014/main" id="{72C5182B-B65C-401D-ABF6-0C2156614FA1}"/>
+                <a16:creationId xmlns:a16="http://schemas.microsoft.com/office/drawing/2014/main" xmlns="" id="{72C5182B-B65C-401D-ABF6-0C2156614FA1}"/>
               </a:ext>
             </a:extLst>
           </p:cNvPr>
@@ -8447,7 +9278,7 @@
           <p:cNvPr id="17" name="직사각형 16">
             <a:extLst>
               <a:ext uri="{FF2B5EF4-FFF2-40B4-BE49-F238E27FC236}">
-                <a16:creationId xmlns="" xmlns:a16="http://schemas.microsoft.com/office/drawing/2014/main" id="{87811F05-5708-4730-BCF7-57DEBB2047C9}"/>
+                <a16:creationId xmlns:a16="http://schemas.microsoft.com/office/drawing/2014/main" xmlns="" id="{87811F05-5708-4730-BCF7-57DEBB2047C9}"/>
               </a:ext>
             </a:extLst>
           </p:cNvPr>
@@ -8505,7 +9336,7 @@
           <p:cNvPr id="18" name="직사각형 17">
             <a:extLst>
               <a:ext uri="{FF2B5EF4-FFF2-40B4-BE49-F238E27FC236}">
-                <a16:creationId xmlns="" xmlns:a16="http://schemas.microsoft.com/office/drawing/2014/main" id="{5D0750B5-280C-4260-BA3F-A44089BB5E72}"/>
+                <a16:creationId xmlns:a16="http://schemas.microsoft.com/office/drawing/2014/main" xmlns="" id="{5D0750B5-280C-4260-BA3F-A44089BB5E72}"/>
               </a:ext>
             </a:extLst>
           </p:cNvPr>
@@ -8563,7 +9394,7 @@
           <p:cNvPr id="3" name="그림 2">
             <a:extLst>
               <a:ext uri="{FF2B5EF4-FFF2-40B4-BE49-F238E27FC236}">
-                <a16:creationId xmlns="" xmlns:a16="http://schemas.microsoft.com/office/drawing/2014/main" id="{F317A424-4BE7-4CA6-BD71-7CE87D22688C}"/>
+                <a16:creationId xmlns:a16="http://schemas.microsoft.com/office/drawing/2014/main" xmlns="" id="{F317A424-4BE7-4CA6-BD71-7CE87D22688C}"/>
               </a:ext>
             </a:extLst>
           </p:cNvPr>
@@ -8593,7 +9424,7 @@
           <p:cNvPr id="5" name="그림 4">
             <a:extLst>
               <a:ext uri="{FF2B5EF4-FFF2-40B4-BE49-F238E27FC236}">
-                <a16:creationId xmlns="" xmlns:a16="http://schemas.microsoft.com/office/drawing/2014/main" id="{E6069E12-1A4E-421F-899C-0C2D150ABE00}"/>
+                <a16:creationId xmlns:a16="http://schemas.microsoft.com/office/drawing/2014/main" xmlns="" id="{E6069E12-1A4E-421F-899C-0C2D150ABE00}"/>
               </a:ext>
             </a:extLst>
           </p:cNvPr>
@@ -8623,7 +9454,7 @@
           <p:cNvPr id="19" name="그림 18">
             <a:extLst>
               <a:ext uri="{FF2B5EF4-FFF2-40B4-BE49-F238E27FC236}">
-                <a16:creationId xmlns="" xmlns:a16="http://schemas.microsoft.com/office/drawing/2014/main" id="{B80747C2-171F-43DA-90DB-217D71708E33}"/>
+                <a16:creationId xmlns:a16="http://schemas.microsoft.com/office/drawing/2014/main" xmlns="" id="{B80747C2-171F-43DA-90DB-217D71708E33}"/>
               </a:ext>
             </a:extLst>
           </p:cNvPr>
@@ -8683,7 +9514,7 @@
           <p:cNvPr id="9" name="직사각형 8">
             <a:extLst>
               <a:ext uri="{FF2B5EF4-FFF2-40B4-BE49-F238E27FC236}">
-                <a16:creationId xmlns="" xmlns:a16="http://schemas.microsoft.com/office/drawing/2014/main" id="{9C823E93-ADC2-4C24-A4A2-2A0BA5939B57}"/>
+                <a16:creationId xmlns:a16="http://schemas.microsoft.com/office/drawing/2014/main" xmlns="" id="{9C823E93-ADC2-4C24-A4A2-2A0BA5939B57}"/>
               </a:ext>
             </a:extLst>
           </p:cNvPr>
@@ -8738,7 +9569,7 @@
           <p:cNvPr id="7" name="TextBox 6">
             <a:extLst>
               <a:ext uri="{FF2B5EF4-FFF2-40B4-BE49-F238E27FC236}">
-                <a16:creationId xmlns="" xmlns:a16="http://schemas.microsoft.com/office/drawing/2014/main" id="{9C6324AD-80D7-4F18-AEE8-F280B72B802D}"/>
+                <a16:creationId xmlns:a16="http://schemas.microsoft.com/office/drawing/2014/main" xmlns="" id="{9C6324AD-80D7-4F18-AEE8-F280B72B802D}"/>
               </a:ext>
             </a:extLst>
           </p:cNvPr>
@@ -8785,7 +9616,7 @@
           <p:cNvPr id="10" name="직사각형 9">
             <a:extLst>
               <a:ext uri="{FF2B5EF4-FFF2-40B4-BE49-F238E27FC236}">
-                <a16:creationId xmlns="" xmlns:a16="http://schemas.microsoft.com/office/drawing/2014/main" id="{E619D123-4B5C-46B2-A5EB-1C0F6F759A6A}"/>
+                <a16:creationId xmlns:a16="http://schemas.microsoft.com/office/drawing/2014/main" xmlns="" id="{E619D123-4B5C-46B2-A5EB-1C0F6F759A6A}"/>
               </a:ext>
             </a:extLst>
           </p:cNvPr>
@@ -8840,7 +9671,7 @@
           <p:cNvPr id="2" name="그룹 1">
             <a:extLst>
               <a:ext uri="{FF2B5EF4-FFF2-40B4-BE49-F238E27FC236}">
-                <a16:creationId xmlns="" xmlns:a16="http://schemas.microsoft.com/office/drawing/2014/main" id="{D80C4CDD-1AF6-4D78-8520-B35F8842F470}"/>
+                <a16:creationId xmlns:a16="http://schemas.microsoft.com/office/drawing/2014/main" xmlns="" id="{D80C4CDD-1AF6-4D78-8520-B35F8842F470}"/>
               </a:ext>
             </a:extLst>
           </p:cNvPr>
@@ -8860,7 +9691,7 @@
             <p:cNvPr id="15" name="직사각형 14">
               <a:extLst>
                 <a:ext uri="{FF2B5EF4-FFF2-40B4-BE49-F238E27FC236}">
-                  <a16:creationId xmlns="" xmlns:a16="http://schemas.microsoft.com/office/drawing/2014/main" id="{8C322064-5317-4010-82EF-E4AC9B96EB6E}"/>
+                  <a16:creationId xmlns:a16="http://schemas.microsoft.com/office/drawing/2014/main" xmlns="" id="{8C322064-5317-4010-82EF-E4AC9B96EB6E}"/>
                 </a:ext>
               </a:extLst>
             </p:cNvPr>
@@ -8915,7 +9746,7 @@
             <p:cNvPr id="16" name="직사각형 15">
               <a:extLst>
                 <a:ext uri="{FF2B5EF4-FFF2-40B4-BE49-F238E27FC236}">
-                  <a16:creationId xmlns="" xmlns:a16="http://schemas.microsoft.com/office/drawing/2014/main" id="{72C5182B-B65C-401D-ABF6-0C2156614FA1}"/>
+                  <a16:creationId xmlns:a16="http://schemas.microsoft.com/office/drawing/2014/main" xmlns="" id="{72C5182B-B65C-401D-ABF6-0C2156614FA1}"/>
                 </a:ext>
               </a:extLst>
             </p:cNvPr>
@@ -9006,7 +9837,7 @@
           <p:cNvPr id="18" name="직사각형 17">
             <a:extLst>
               <a:ext uri="{FF2B5EF4-FFF2-40B4-BE49-F238E27FC236}">
-                <a16:creationId xmlns="" xmlns:a16="http://schemas.microsoft.com/office/drawing/2014/main" id="{5D0750B5-280C-4260-BA3F-A44089BB5E72}"/>
+                <a16:creationId xmlns:a16="http://schemas.microsoft.com/office/drawing/2014/main" xmlns="" id="{5D0750B5-280C-4260-BA3F-A44089BB5E72}"/>
               </a:ext>
             </a:extLst>
           </p:cNvPr>
@@ -9091,10 +9922,10 @@
       </p:grpSpPr>
       <p:sp>
         <p:nvSpPr>
-          <p:cNvPr id="4" name="직사각형 3">
-            <a:extLst>
-              <a:ext uri="{FF2B5EF4-FFF2-40B4-BE49-F238E27FC236}">
-                <a16:creationId xmlns="" xmlns:a16="http://schemas.microsoft.com/office/drawing/2014/main" id="{19BED65B-A412-466B-9600-749BC0989612}"/>
+          <p:cNvPr id="9" name="직사각형 8">
+            <a:extLst>
+              <a:ext uri="{FF2B5EF4-FFF2-40B4-BE49-F238E27FC236}">
+                <a16:creationId xmlns:a16="http://schemas.microsoft.com/office/drawing/2014/main" xmlns="" id="{9C823E93-ADC2-4C24-A4A2-2A0BA5939B57}"/>
               </a:ext>
             </a:extLst>
           </p:cNvPr>
@@ -9103,7 +9934,7 @@
         </p:nvSpPr>
         <p:spPr>
           <a:xfrm>
-            <a:off x="0" y="0"/>
+            <a:off x="-1" y="0"/>
             <a:ext cx="12192000" cy="6858000"/>
           </a:xfrm>
           <a:prstGeom prst="rect">
@@ -9146,10 +9977,57 @@
       </p:sp>
       <p:sp>
         <p:nvSpPr>
-          <p:cNvPr id="6" name="직사각형 5">
-            <a:extLst>
-              <a:ext uri="{FF2B5EF4-FFF2-40B4-BE49-F238E27FC236}">
-                <a16:creationId xmlns="" xmlns:a16="http://schemas.microsoft.com/office/drawing/2014/main" id="{69EF6A59-F4E8-41F2-94CB-0ABC9CEE6750}"/>
+          <p:cNvPr id="7" name="TextBox 6">
+            <a:extLst>
+              <a:ext uri="{FF2B5EF4-FFF2-40B4-BE49-F238E27FC236}">
+                <a16:creationId xmlns:a16="http://schemas.microsoft.com/office/drawing/2014/main" xmlns="" id="{9C6324AD-80D7-4F18-AEE8-F280B72B802D}"/>
+              </a:ext>
+            </a:extLst>
+          </p:cNvPr>
+          <p:cNvSpPr txBox="1"/>
+          <p:nvPr/>
+        </p:nvSpPr>
+        <p:spPr>
+          <a:xfrm>
+            <a:off x="3196203" y="1820411"/>
+            <a:ext cx="6602137" cy="584775"/>
+          </a:xfrm>
+          <a:prstGeom prst="rect">
+            <a:avLst/>
+          </a:prstGeom>
+          <a:noFill/>
+        </p:spPr>
+        <p:txBody>
+          <a:bodyPr wrap="square" rtlCol="0">
+            <a:spAutoFit/>
+          </a:bodyPr>
+          <a:lstStyle/>
+          <a:p>
+            <a:r>
+              <a:rPr lang="en-US" altLang="ko-KR" sz="3200" dirty="0">
+                <a:latin typeface="맑은 고딕 Semilight" panose="020B0502040204020203" pitchFamily="50" charset="-127"/>
+                <a:ea typeface="맑은 고딕 Semilight" panose="020B0502040204020203" pitchFamily="50" charset="-127"/>
+                <a:cs typeface="맑은 고딕 Semilight" panose="020B0502040204020203" pitchFamily="50" charset="-127"/>
+              </a:rPr>
+              <a:t>1. </a:t>
+            </a:r>
+            <a:r>
+              <a:rPr lang="ko-KR" altLang="en-US" sz="3200" dirty="0">
+                <a:latin typeface="맑은 고딕 Semilight" panose="020B0502040204020203" pitchFamily="50" charset="-127"/>
+                <a:ea typeface="맑은 고딕 Semilight" panose="020B0502040204020203" pitchFamily="50" charset="-127"/>
+                <a:cs typeface="맑은 고딕 Semilight" panose="020B0502040204020203" pitchFamily="50" charset="-127"/>
+              </a:rPr>
+              <a:t>프로그램 개요</a:t>
+            </a:r>
+          </a:p>
+        </p:txBody>
+      </p:sp>
+      <p:sp>
+        <p:nvSpPr>
+          <p:cNvPr id="10" name="직사각형 9">
+            <a:extLst>
+              <a:ext uri="{FF2B5EF4-FFF2-40B4-BE49-F238E27FC236}">
+                <a16:creationId xmlns:a16="http://schemas.microsoft.com/office/drawing/2014/main" xmlns="" id="{E619D123-4B5C-46B2-A5EB-1C0F6F759A6A}"/>
               </a:ext>
             </a:extLst>
           </p:cNvPr>
@@ -9158,8 +10036,63 @@
         </p:nvSpPr>
         <p:spPr>
           <a:xfrm>
-            <a:off x="1845579" y="731940"/>
-            <a:ext cx="8825218" cy="5308134"/>
+            <a:off x="349540" y="251003"/>
+            <a:ext cx="11492917" cy="6355993"/>
+          </a:xfrm>
+          <a:prstGeom prst="rect">
+            <a:avLst/>
+          </a:prstGeom>
+          <a:solidFill>
+            <a:schemeClr val="bg1"/>
+          </a:solidFill>
+          <a:ln>
+            <a:noFill/>
+          </a:ln>
+        </p:spPr>
+        <p:style>
+          <a:lnRef idx="2">
+            <a:schemeClr val="accent1">
+              <a:shade val="50000"/>
+            </a:schemeClr>
+          </a:lnRef>
+          <a:fillRef idx="1">
+            <a:schemeClr val="accent1"/>
+          </a:fillRef>
+          <a:effectRef idx="0">
+            <a:schemeClr val="accent1"/>
+          </a:effectRef>
+          <a:fontRef idx="minor">
+            <a:schemeClr val="lt1"/>
+          </a:fontRef>
+        </p:style>
+        <p:txBody>
+          <a:bodyPr rtlCol="0" anchor="ctr"/>
+          <a:lstStyle/>
+          <a:p>
+            <a:pPr algn="ctr"/>
+            <a:endParaRPr lang="ko-KR" altLang="en-US" dirty="0">
+              <a:latin typeface="타이포_쌍문동 B" panose="02020803020101020101" pitchFamily="18" charset="-127"/>
+              <a:ea typeface="타이포_쌍문동 B" panose="02020803020101020101" pitchFamily="18" charset="-127"/>
+            </a:endParaRPr>
+          </a:p>
+        </p:txBody>
+      </p:sp>
+      <p:sp>
+        <p:nvSpPr>
+          <p:cNvPr id="15" name="직사각형 14">
+            <a:extLst>
+              <a:ext uri="{FF2B5EF4-FFF2-40B4-BE49-F238E27FC236}">
+                <a16:creationId xmlns:a16="http://schemas.microsoft.com/office/drawing/2014/main" xmlns="" id="{8C322064-5317-4010-82EF-E4AC9B96EB6E}"/>
+              </a:ext>
+            </a:extLst>
+          </p:cNvPr>
+          <p:cNvSpPr/>
+          <p:nvPr/>
+        </p:nvSpPr>
+        <p:spPr>
+          <a:xfrm>
+            <a:off x="930469" y="648022"/>
+            <a:ext cx="1928070" cy="501243"/>
           </a:xfrm>
           <a:prstGeom prst="rect">
             <a:avLst/>
@@ -9201,10 +10134,10 @@
       </p:sp>
       <p:sp>
         <p:nvSpPr>
-          <p:cNvPr id="9" name="직사각형 8">
-            <a:extLst>
-              <a:ext uri="{FF2B5EF4-FFF2-40B4-BE49-F238E27FC236}">
-                <a16:creationId xmlns="" xmlns:a16="http://schemas.microsoft.com/office/drawing/2014/main" id="{F2E431BC-B426-4042-9FE2-4F17D75F239F}"/>
+          <p:cNvPr id="16" name="직사각형 15">
+            <a:extLst>
+              <a:ext uri="{FF2B5EF4-FFF2-40B4-BE49-F238E27FC236}">
+                <a16:creationId xmlns:a16="http://schemas.microsoft.com/office/drawing/2014/main" xmlns="" id="{72C5182B-B65C-401D-ABF6-0C2156614FA1}"/>
               </a:ext>
             </a:extLst>
           </p:cNvPr>
@@ -9213,8 +10146,8 @@
         </p:nvSpPr>
         <p:spPr>
           <a:xfrm>
-            <a:off x="1566645" y="490057"/>
-            <a:ext cx="9058711" cy="5394121"/>
+            <a:off x="833306" y="562062"/>
+            <a:ext cx="1928070" cy="501243"/>
           </a:xfrm>
           <a:prstGeom prst="rect">
             <a:avLst/>
@@ -9224,10 +10157,7 @@
           </a:solidFill>
           <a:ln>
             <a:solidFill>
-              <a:schemeClr val="tx1">
-                <a:lumMod val="65000"/>
-                <a:lumOff val="35000"/>
-              </a:schemeClr>
+              <a:schemeClr val="tx1"/>
             </a:solidFill>
           </a:ln>
         </p:spPr>
@@ -9253,22 +10183,491 @@
           <a:p>
             <a:pPr algn="ctr"/>
             <a:r>
-              <a:rPr lang="en-US" altLang="ko-KR" sz="5400" dirty="0">
+              <a:rPr lang="en-US" altLang="ko-KR" dirty="0" smtClean="0">
                 <a:solidFill>
                   <a:schemeClr val="tx1"/>
                 </a:solidFill>
                 <a:latin typeface="타이포_쌍문동 B" panose="02020803020101020101" pitchFamily="18" charset="-127"/>
                 <a:ea typeface="타이포_쌍문동 B" panose="02020803020101020101" pitchFamily="18" charset="-127"/>
               </a:rPr>
-              <a:t>Thank you.</a:t>
-            </a:r>
+              <a:t>1. </a:t>
+            </a:r>
+            <a:r>
+              <a:rPr lang="ko-KR" altLang="en-US" dirty="0" smtClean="0">
+                <a:solidFill>
+                  <a:schemeClr val="tx1"/>
+                </a:solidFill>
+                <a:latin typeface="타이포_쌍문동 B" panose="02020803020101020101" pitchFamily="18" charset="-127"/>
+                <a:ea typeface="타이포_쌍문동 B" panose="02020803020101020101" pitchFamily="18" charset="-127"/>
+              </a:rPr>
+              <a:t>로그인 및 회원가입</a:t>
+            </a:r>
+            <a:endParaRPr lang="en-US" altLang="ko-KR" dirty="0">
+              <a:solidFill>
+                <a:schemeClr val="tx1"/>
+              </a:solidFill>
+              <a:latin typeface="타이포_쌍문동 B" panose="02020803020101020101" pitchFamily="18" charset="-127"/>
+              <a:ea typeface="타이포_쌍문동 B" panose="02020803020101020101" pitchFamily="18" charset="-127"/>
+            </a:endParaRPr>
+          </a:p>
+        </p:txBody>
+      </p:sp>
+      <p:sp>
+        <p:nvSpPr>
+          <p:cNvPr id="17" name="직사각형 16">
+            <a:extLst>
+              <a:ext uri="{FF2B5EF4-FFF2-40B4-BE49-F238E27FC236}">
+                <a16:creationId xmlns:a16="http://schemas.microsoft.com/office/drawing/2014/main" xmlns="" id="{87811F05-5708-4730-BCF7-57DEBB2047C9}"/>
+              </a:ext>
+            </a:extLst>
+          </p:cNvPr>
+          <p:cNvSpPr/>
+          <p:nvPr/>
+        </p:nvSpPr>
+        <p:spPr>
+          <a:xfrm>
+            <a:off x="3310667" y="527870"/>
+            <a:ext cx="225963" cy="2901130"/>
+          </a:xfrm>
+          <a:prstGeom prst="rect">
+            <a:avLst/>
+          </a:prstGeom>
+          <a:solidFill>
+            <a:schemeClr val="bg1"/>
+          </a:solidFill>
+          <a:ln>
+            <a:solidFill>
+              <a:schemeClr val="bg1"/>
+            </a:solidFill>
+          </a:ln>
+        </p:spPr>
+        <p:style>
+          <a:lnRef idx="2">
+            <a:schemeClr val="accent1">
+              <a:shade val="50000"/>
+            </a:schemeClr>
+          </a:lnRef>
+          <a:fillRef idx="1">
+            <a:schemeClr val="accent1"/>
+          </a:fillRef>
+          <a:effectRef idx="0">
+            <a:schemeClr val="accent1"/>
+          </a:effectRef>
+          <a:fontRef idx="minor">
+            <a:schemeClr val="lt1"/>
+          </a:fontRef>
+        </p:style>
+        <p:txBody>
+          <a:bodyPr rtlCol="0" anchor="ctr"/>
+          <a:lstStyle/>
+          <a:p>
+            <a:pPr algn="ctr"/>
+            <a:r>
+              <a:rPr lang="ko-KR" altLang="en-US"/>
+              <a:t>ㅍ</a:t>
+            </a:r>
+            <a:endParaRPr lang="ko-KR" altLang="en-US" dirty="0"/>
+          </a:p>
+        </p:txBody>
+      </p:sp>
+      <p:sp>
+        <p:nvSpPr>
+          <p:cNvPr id="18" name="직사각형 17">
+            <a:extLst>
+              <a:ext uri="{FF2B5EF4-FFF2-40B4-BE49-F238E27FC236}">
+                <a16:creationId xmlns:a16="http://schemas.microsoft.com/office/drawing/2014/main" xmlns="" id="{5D0750B5-280C-4260-BA3F-A44089BB5E72}"/>
+              </a:ext>
+            </a:extLst>
+          </p:cNvPr>
+          <p:cNvSpPr/>
+          <p:nvPr/>
+        </p:nvSpPr>
+        <p:spPr>
+          <a:xfrm rot="5400000">
+            <a:off x="8866543" y="-1918761"/>
+            <a:ext cx="178948" cy="4805358"/>
+          </a:xfrm>
+          <a:prstGeom prst="rect">
+            <a:avLst/>
+          </a:prstGeom>
+          <a:solidFill>
+            <a:schemeClr val="bg1"/>
+          </a:solidFill>
+          <a:ln>
+            <a:solidFill>
+              <a:schemeClr val="bg1"/>
+            </a:solidFill>
+          </a:ln>
+        </p:spPr>
+        <p:style>
+          <a:lnRef idx="2">
+            <a:schemeClr val="accent1">
+              <a:shade val="50000"/>
+            </a:schemeClr>
+          </a:lnRef>
+          <a:fillRef idx="1">
+            <a:schemeClr val="accent1"/>
+          </a:fillRef>
+          <a:effectRef idx="0">
+            <a:schemeClr val="accent1"/>
+          </a:effectRef>
+          <a:fontRef idx="minor">
+            <a:schemeClr val="lt1"/>
+          </a:fontRef>
+        </p:style>
+        <p:txBody>
+          <a:bodyPr rtlCol="0" anchor="ctr"/>
+          <a:lstStyle/>
+          <a:p>
+            <a:pPr algn="ctr"/>
+            <a:r>
+              <a:rPr lang="ko-KR" altLang="en-US"/>
+              <a:t>ㅍ</a:t>
+            </a:r>
+            <a:endParaRPr lang="ko-KR" altLang="en-US" dirty="0"/>
+          </a:p>
+        </p:txBody>
+      </p:sp>
+      <p:pic>
+        <p:nvPicPr>
+          <p:cNvPr id="1028" name="Picture 4"/>
+          <p:cNvPicPr>
+            <a:picLocks noChangeAspect="1" noChangeArrowheads="1"/>
+          </p:cNvPicPr>
+          <p:nvPr/>
+        </p:nvPicPr>
+        <p:blipFill>
+          <a:blip r:embed="rId2">
+            <a:extLst>
+              <a:ext uri="{28A0092B-C50C-407E-A947-70E740481C1C}">
+                <a14:useLocalDpi xmlns:a14="http://schemas.microsoft.com/office/drawing/2010/main" val="0"/>
+              </a:ext>
+            </a:extLst>
+          </a:blip>
+          <a:srcRect/>
+          <a:stretch>
+            <a:fillRect/>
+          </a:stretch>
+        </p:blipFill>
+        <p:spPr bwMode="auto">
+          <a:xfrm>
+            <a:off x="1083925" y="1602733"/>
+            <a:ext cx="3549228" cy="3652532"/>
+          </a:xfrm>
+          <a:prstGeom prst="rect">
+            <a:avLst/>
+          </a:prstGeom>
+          <a:noFill/>
+          <a:ln>
+            <a:noFill/>
+          </a:ln>
+          <a:effectLst/>
+          <a:extLst>
+            <a:ext uri="{909E8E84-426E-40DD-AFC4-6F175D3DCCD1}">
+              <a14:hiddenFill xmlns:a14="http://schemas.microsoft.com/office/drawing/2010/main">
+                <a:solidFill>
+                  <a:schemeClr val="accent1"/>
+                </a:solidFill>
+              </a14:hiddenFill>
+            </a:ext>
+            <a:ext uri="{91240B29-F687-4F45-9708-019B960494DF}">
+              <a14:hiddenLine xmlns:a14="http://schemas.microsoft.com/office/drawing/2010/main" w="9525">
+                <a:solidFill>
+                  <a:schemeClr val="tx1"/>
+                </a:solidFill>
+                <a:miter lim="800000"/>
+                <a:headEnd/>
+                <a:tailEnd/>
+              </a14:hiddenLine>
+            </a:ext>
+            <a:ext uri="{AF507438-7753-43E0-B8FC-AC1667EBCBE1}">
+              <a14:hiddenEffects xmlns:a14="http://schemas.microsoft.com/office/drawing/2010/main">
+                <a:effectLst>
+                  <a:outerShdw dist="35921" dir="2700000" algn="ctr" rotWithShape="0">
+                    <a:schemeClr val="bg2"/>
+                  </a:outerShdw>
+                </a:effectLst>
+              </a14:hiddenEffects>
+            </a:ext>
+          </a:extLst>
+        </p:spPr>
+      </p:pic>
+      <p:pic>
+        <p:nvPicPr>
+          <p:cNvPr id="1029" name="Picture 5"/>
+          <p:cNvPicPr>
+            <a:picLocks noChangeAspect="1" noChangeArrowheads="1"/>
+          </p:cNvPicPr>
+          <p:nvPr/>
+        </p:nvPicPr>
+        <p:blipFill>
+          <a:blip r:embed="rId3">
+            <a:extLst>
+              <a:ext uri="{28A0092B-C50C-407E-A947-70E740481C1C}">
+                <a14:useLocalDpi xmlns:a14="http://schemas.microsoft.com/office/drawing/2010/main" val="0"/>
+              </a:ext>
+            </a:extLst>
+          </a:blip>
+          <a:srcRect/>
+          <a:stretch>
+            <a:fillRect/>
+          </a:stretch>
+        </p:blipFill>
+        <p:spPr bwMode="auto">
+          <a:xfrm>
+            <a:off x="5246355" y="1547412"/>
+            <a:ext cx="3211846" cy="3707853"/>
+          </a:xfrm>
+          <a:prstGeom prst="rect">
+            <a:avLst/>
+          </a:prstGeom>
+          <a:noFill/>
+          <a:ln>
+            <a:noFill/>
+          </a:ln>
+          <a:effectLst/>
+          <a:extLst>
+            <a:ext uri="{909E8E84-426E-40DD-AFC4-6F175D3DCCD1}">
+              <a14:hiddenFill xmlns:a14="http://schemas.microsoft.com/office/drawing/2010/main">
+                <a:solidFill>
+                  <a:schemeClr val="accent1"/>
+                </a:solidFill>
+              </a14:hiddenFill>
+            </a:ext>
+            <a:ext uri="{91240B29-F687-4F45-9708-019B960494DF}">
+              <a14:hiddenLine xmlns:a14="http://schemas.microsoft.com/office/drawing/2010/main" w="9525">
+                <a:solidFill>
+                  <a:schemeClr val="tx1"/>
+                </a:solidFill>
+                <a:miter lim="800000"/>
+                <a:headEnd/>
+                <a:tailEnd/>
+              </a14:hiddenLine>
+            </a:ext>
+            <a:ext uri="{AF507438-7753-43E0-B8FC-AC1667EBCBE1}">
+              <a14:hiddenEffects xmlns:a14="http://schemas.microsoft.com/office/drawing/2010/main">
+                <a:effectLst>
+                  <a:outerShdw dist="35921" dir="2700000" algn="ctr" rotWithShape="0">
+                    <a:schemeClr val="bg2"/>
+                  </a:outerShdw>
+                </a:effectLst>
+              </a14:hiddenEffects>
+            </a:ext>
+          </a:extLst>
+        </p:spPr>
+      </p:pic>
+      <p:sp>
+        <p:nvSpPr>
+          <p:cNvPr id="4" name="직사각형 3"/>
+          <p:cNvSpPr/>
+          <p:nvPr/>
+        </p:nvSpPr>
+        <p:spPr>
+          <a:xfrm>
+            <a:off x="1920880" y="4870938"/>
+            <a:ext cx="1868604" cy="263769"/>
+          </a:xfrm>
+          <a:prstGeom prst="rect">
+            <a:avLst/>
+          </a:prstGeom>
+          <a:noFill/>
+          <a:ln>
+            <a:solidFill>
+              <a:srgbClr val="FF0000"/>
+            </a:solidFill>
+          </a:ln>
+        </p:spPr>
+        <p:style>
+          <a:lnRef idx="2">
+            <a:schemeClr val="accent1">
+              <a:shade val="50000"/>
+            </a:schemeClr>
+          </a:lnRef>
+          <a:fillRef idx="1">
+            <a:schemeClr val="accent1"/>
+          </a:fillRef>
+          <a:effectRef idx="0">
+            <a:schemeClr val="accent1"/>
+          </a:effectRef>
+          <a:fontRef idx="minor">
+            <a:schemeClr val="lt1"/>
+          </a:fontRef>
+        </p:style>
+        <p:txBody>
+          <a:bodyPr rtlCol="0" anchor="ctr"/>
+          <a:lstStyle/>
+          <a:p>
+            <a:pPr algn="ctr"/>
+            <a:endParaRPr lang="ko-KR" altLang="en-US">
+              <a:ln w="18415" cmpd="sng">
+                <a:solidFill>
+                  <a:srgbClr val="FFFFFF"/>
+                </a:solidFill>
+                <a:prstDash val="solid"/>
+              </a:ln>
+              <a:solidFill>
+                <a:srgbClr val="FFFFFF"/>
+              </a:solidFill>
+              <a:effectLst>
+                <a:outerShdw blurRad="63500" dir="3600000" algn="tl" rotWithShape="0">
+                  <a:srgbClr val="000000">
+                    <a:alpha val="70000"/>
+                  </a:srgbClr>
+                </a:outerShdw>
+              </a:effectLst>
+            </a:endParaRPr>
+          </a:p>
+        </p:txBody>
+      </p:sp>
+      <p:cxnSp>
+        <p:nvCxnSpPr>
+          <p:cNvPr id="8" name="직선 화살표 연결선 7"/>
+          <p:cNvCxnSpPr/>
+          <p:nvPr/>
+        </p:nvCxnSpPr>
+        <p:spPr>
+          <a:xfrm flipH="1">
+            <a:off x="2839609" y="5134707"/>
+            <a:ext cx="15574" cy="430824"/>
+          </a:xfrm>
+          <a:prstGeom prst="straightConnector1">
+            <a:avLst/>
+          </a:prstGeom>
+          <a:ln>
+            <a:tailEnd type="arrow"/>
+          </a:ln>
+        </p:spPr>
+        <p:style>
+          <a:lnRef idx="1">
+            <a:schemeClr val="accent1"/>
+          </a:lnRef>
+          <a:fillRef idx="0">
+            <a:schemeClr val="accent1"/>
+          </a:fillRef>
+          <a:effectRef idx="0">
+            <a:schemeClr val="accent1"/>
+          </a:effectRef>
+          <a:fontRef idx="minor">
+            <a:schemeClr val="tx1"/>
+          </a:fontRef>
+        </p:style>
+      </p:cxnSp>
+      <p:sp>
+        <p:nvSpPr>
+          <p:cNvPr id="11" name="TextBox 10"/>
+          <p:cNvSpPr txBox="1"/>
+          <p:nvPr/>
+        </p:nvSpPr>
+        <p:spPr>
+          <a:xfrm>
+            <a:off x="1608992" y="5565531"/>
+            <a:ext cx="2461234" cy="276999"/>
+          </a:xfrm>
+          <a:prstGeom prst="rect">
+            <a:avLst/>
+          </a:prstGeom>
+          <a:noFill/>
+        </p:spPr>
+        <p:txBody>
+          <a:bodyPr wrap="square" rtlCol="0">
+            <a:spAutoFit/>
+          </a:bodyPr>
+          <a:lstStyle/>
+          <a:p>
+            <a:r>
+              <a:rPr lang="ko-KR" altLang="en-US" sz="1200" dirty="0" smtClean="0"/>
+              <a:t>아이디</a:t>
+            </a:r>
+            <a:r>
+              <a:rPr lang="en-US" altLang="ko-KR" sz="1200" dirty="0"/>
+              <a:t> </a:t>
+            </a:r>
+            <a:r>
+              <a:rPr lang="ko-KR" altLang="en-US" sz="1200" dirty="0" smtClean="0"/>
+              <a:t>혹은 비밀번호 미 기입 시</a:t>
+            </a:r>
+            <a:endParaRPr lang="ko-KR" altLang="en-US" sz="1200" dirty="0"/>
+          </a:p>
+        </p:txBody>
+      </p:sp>
+      <p:cxnSp>
+        <p:nvCxnSpPr>
+          <p:cNvPr id="13" name="직선 화살표 연결선 12"/>
+          <p:cNvCxnSpPr>
+            <a:endCxn id="24" idx="2"/>
+          </p:cNvCxnSpPr>
+          <p:nvPr/>
+        </p:nvCxnSpPr>
+        <p:spPr>
+          <a:xfrm flipV="1">
+            <a:off x="2761376" y="1274348"/>
+            <a:ext cx="1308851" cy="1130838"/>
+          </a:xfrm>
+          <a:prstGeom prst="straightConnector1">
+            <a:avLst/>
+          </a:prstGeom>
+          <a:ln>
+            <a:tailEnd type="arrow"/>
+          </a:ln>
+        </p:spPr>
+        <p:style>
+          <a:lnRef idx="1">
+            <a:schemeClr val="accent1"/>
+          </a:lnRef>
+          <a:fillRef idx="0">
+            <a:schemeClr val="accent1"/>
+          </a:fillRef>
+          <a:effectRef idx="0">
+            <a:schemeClr val="accent1"/>
+          </a:effectRef>
+          <a:fontRef idx="minor">
+            <a:schemeClr val="tx1"/>
+          </a:fontRef>
+        </p:style>
+      </p:cxnSp>
+      <p:sp>
+        <p:nvSpPr>
+          <p:cNvPr id="24" name="TextBox 23"/>
+          <p:cNvSpPr txBox="1"/>
+          <p:nvPr/>
+        </p:nvSpPr>
+        <p:spPr>
+          <a:xfrm>
+            <a:off x="2819620" y="997349"/>
+            <a:ext cx="2501213" cy="276999"/>
+          </a:xfrm>
+          <a:prstGeom prst="rect">
+            <a:avLst/>
+          </a:prstGeom>
+          <a:noFill/>
+        </p:spPr>
+        <p:txBody>
+          <a:bodyPr wrap="square" rtlCol="0">
+            <a:spAutoFit/>
+          </a:bodyPr>
+          <a:lstStyle/>
+          <a:p>
+            <a:pPr algn="ctr"/>
+            <a:r>
+              <a:rPr lang="en-US" altLang="ko-KR" sz="1200" dirty="0" err="1" smtClean="0"/>
+              <a:t>UserInfo</a:t>
+            </a:r>
+            <a:r>
+              <a:rPr lang="en-US" altLang="ko-KR" sz="1200" dirty="0" smtClean="0"/>
+              <a:t> </a:t>
+            </a:r>
+            <a:r>
+              <a:rPr lang="ko-KR" altLang="en-US" sz="1200" dirty="0" smtClean="0"/>
+              <a:t>테이블에 존재확인</a:t>
+            </a:r>
+            <a:endParaRPr lang="ko-KR" altLang="en-US" sz="1200" dirty="0"/>
           </a:p>
         </p:txBody>
       </p:sp>
     </p:spTree>
     <p:extLst>
       <p:ext uri="{BB962C8B-B14F-4D97-AF65-F5344CB8AC3E}">
-        <p14:creationId xmlns:p14="http://schemas.microsoft.com/office/powerpoint/2010/main" val="3597966351"/>
+        <p14:creationId xmlns:p14="http://schemas.microsoft.com/office/powerpoint/2010/main" val="1612818463"/>
       </p:ext>
     </p:extLst>
   </p:cSld>
@@ -9567,7 +10966,7 @@
   <a:extraClrSchemeLst/>
   <a:extLst>
     <a:ext uri="{05A4C25C-085E-4340-85A3-A5531E510DB2}">
-      <thm15:themeFamily xmlns="" xmlns:thm15="http://schemas.microsoft.com/office/thememl/2012/main" name="Office Theme" id="{62F939B6-93AF-4DB8-9C6B-D6C7DFDC589F}" vid="{4A3C46E8-61CC-4603-A589-7422A47A8E4A}"/>
+      <thm15:themeFamily xmlns:thm15="http://schemas.microsoft.com/office/thememl/2012/main" xmlns="" name="Office Theme" id="{62F939B6-93AF-4DB8-9C6B-D6C7DFDC589F}" vid="{4A3C46E8-61CC-4603-A589-7422A47A8E4A}"/>
     </a:ext>
   </a:extLst>
 </a:theme>
